--- a/hit-iz-resource/src/main/resources/Documentation/UserDocs/UnderstandingImmunizationMsg_ONCCertificationTesting 2015 Edition V1.0 for PubCom.pptx
+++ b/hit-iz-resource/src/main/resources/Documentation/UserDocs/UnderstandingImmunizationMsg_ONCCertificationTesting 2015 Edition V1.0 for PubCom.pptx
@@ -5,10 +5,10 @@
     <p:sldMasterId id="2147483660" r:id="rId1"/>
   </p:sldMasterIdLst>
   <p:notesMasterIdLst>
-    <p:notesMasterId r:id="rId37"/>
+    <p:notesMasterId r:id="rId38"/>
   </p:notesMasterIdLst>
   <p:handoutMasterIdLst>
-    <p:handoutMasterId r:id="rId38"/>
+    <p:handoutMasterId r:id="rId39"/>
   </p:handoutMasterIdLst>
   <p:sldIdLst>
     <p:sldId id="344" r:id="rId2"/>
@@ -21,31 +21,32 @@
     <p:sldId id="387" r:id="rId9"/>
     <p:sldId id="399" r:id="rId10"/>
     <p:sldId id="398" r:id="rId11"/>
-    <p:sldId id="386" r:id="rId12"/>
-    <p:sldId id="346" r:id="rId13"/>
-    <p:sldId id="406" r:id="rId14"/>
-    <p:sldId id="309" r:id="rId15"/>
-    <p:sldId id="349" r:id="rId16"/>
-    <p:sldId id="391" r:id="rId17"/>
-    <p:sldId id="408" r:id="rId18"/>
-    <p:sldId id="421" r:id="rId19"/>
-    <p:sldId id="392" r:id="rId20"/>
-    <p:sldId id="393" r:id="rId21"/>
-    <p:sldId id="395" r:id="rId22"/>
-    <p:sldId id="396" r:id="rId23"/>
-    <p:sldId id="409" r:id="rId24"/>
-    <p:sldId id="410" r:id="rId25"/>
-    <p:sldId id="411" r:id="rId26"/>
-    <p:sldId id="412" r:id="rId27"/>
-    <p:sldId id="418" r:id="rId28"/>
-    <p:sldId id="413" r:id="rId29"/>
-    <p:sldId id="414" r:id="rId30"/>
-    <p:sldId id="423" r:id="rId31"/>
-    <p:sldId id="420" r:id="rId32"/>
-    <p:sldId id="417" r:id="rId33"/>
-    <p:sldId id="419" r:id="rId34"/>
-    <p:sldId id="381" r:id="rId35"/>
-    <p:sldId id="354" r:id="rId36"/>
+    <p:sldId id="424" r:id="rId12"/>
+    <p:sldId id="386" r:id="rId13"/>
+    <p:sldId id="346" r:id="rId14"/>
+    <p:sldId id="406" r:id="rId15"/>
+    <p:sldId id="309" r:id="rId16"/>
+    <p:sldId id="349" r:id="rId17"/>
+    <p:sldId id="391" r:id="rId18"/>
+    <p:sldId id="408" r:id="rId19"/>
+    <p:sldId id="421" r:id="rId20"/>
+    <p:sldId id="392" r:id="rId21"/>
+    <p:sldId id="393" r:id="rId22"/>
+    <p:sldId id="395" r:id="rId23"/>
+    <p:sldId id="396" r:id="rId24"/>
+    <p:sldId id="409" r:id="rId25"/>
+    <p:sldId id="410" r:id="rId26"/>
+    <p:sldId id="411" r:id="rId27"/>
+    <p:sldId id="412" r:id="rId28"/>
+    <p:sldId id="418" r:id="rId29"/>
+    <p:sldId id="413" r:id="rId30"/>
+    <p:sldId id="414" r:id="rId31"/>
+    <p:sldId id="423" r:id="rId32"/>
+    <p:sldId id="420" r:id="rId33"/>
+    <p:sldId id="417" r:id="rId34"/>
+    <p:sldId id="425" r:id="rId35"/>
+    <p:sldId id="381" r:id="rId36"/>
+    <p:sldId id="354" r:id="rId37"/>
   </p:sldIdLst>
   <p:sldSz cx="9144000" cy="6858000" type="screen4x3"/>
   <p:notesSz cx="6881813" cy="9296400"/>
@@ -176,7 +177,7 @@
   </p:defaultTextStyle>
   <p:extLst>
     <p:ext uri="{EFAFB233-063F-42B5-8137-9DF3F51BA10A}">
-      <p15:sldGuideLst xmlns="" xmlns:p15="http://schemas.microsoft.com/office/powerpoint/2012/main">
+      <p15:sldGuideLst xmlns:p15="http://schemas.microsoft.com/office/powerpoint/2012/main" xmlns="">
         <p15:guide id="1" orient="horz" pos="48">
           <p15:clr>
             <a:srgbClr val="A4A3A4"/>
@@ -1526,29 +1527,29 @@
     </dgm:pt>
   </dgm:ptLst>
   <dgm:cxnLst>
+    <dgm:cxn modelId="{5278D981-2C8A-4A92-9726-2AE24189C7C9}" srcId="{3958F960-DECA-4D8D-B624-F3A4AAB8D93F}" destId="{73A58A39-E5E8-4328-82CA-EA480BCAFE27}" srcOrd="1" destOrd="0" parTransId="{4B585953-5979-4A51-BD7E-9F3BFAEAF074}" sibTransId="{567277A6-FCB2-49E4-9414-BD472C9152D0}"/>
+    <dgm:cxn modelId="{19880EBA-CB3C-419D-B268-99F855957745}" type="presOf" srcId="{FB64A0B6-3230-47CE-BB15-4D2F1873AC7D}" destId="{3D82EC8C-B11E-404B-A8C8-BED6641AE4A8}" srcOrd="0" destOrd="0" presId="urn:microsoft.com/office/officeart/2005/8/layout/vList5"/>
+    <dgm:cxn modelId="{A43AE6E6-BD80-42B1-A391-00EBF617A96D}" srcId="{2248E3B7-D333-4089-9662-8FD76787833D}" destId="{9C0A4250-38F8-44A2-8F93-1174978AB95D}" srcOrd="0" destOrd="0" parTransId="{4A92C92B-8548-41BC-BE2C-34045BE6C00E}" sibTransId="{C6DD9566-E1A5-41BF-81EF-BF833C293836}"/>
+    <dgm:cxn modelId="{CAA4E6A2-8398-4AC0-BDB4-6840015CC8EB}" srcId="{2248E3B7-D333-4089-9662-8FD76787833D}" destId="{428DF0D7-51CD-46CE-A19E-DACBED35439B}" srcOrd="1" destOrd="0" parTransId="{BF973FED-18BD-45B3-83F9-9F1BE8F815D3}" sibTransId="{507BA2AF-5DAE-4A79-83DC-8976A9B322F9}"/>
+    <dgm:cxn modelId="{133CEAF5-08E0-46EF-894D-724D925CFC56}" type="presOf" srcId="{9C0A4250-38F8-44A2-8F93-1174978AB95D}" destId="{65C42CF7-3BCF-45EA-9230-8F109B28E3FA}" srcOrd="0" destOrd="0" presId="urn:microsoft.com/office/officeart/2005/8/layout/vList5"/>
+    <dgm:cxn modelId="{E0DEDC4C-7688-4C13-9E33-536C1233E6F9}" type="presOf" srcId="{77989C9A-2532-4E8C-949A-8FEAD7C53123}" destId="{3D82EC8C-B11E-404B-A8C8-BED6641AE4A8}" srcOrd="0" destOrd="1" presId="urn:microsoft.com/office/officeart/2005/8/layout/vList5"/>
+    <dgm:cxn modelId="{2679FA1C-300A-46E1-9DCA-C07C3A4FFE5A}" srcId="{EEE165BE-2DA9-47D5-ABE4-521B98CD774F}" destId="{FA4D482B-6551-4F3A-9C75-AB0A93B21D16}" srcOrd="2" destOrd="0" parTransId="{731BBE58-5AEA-442E-A602-C0D01567AFBF}" sibTransId="{2E38FC82-ADFA-4FE2-A3D3-F76EF51A41F3}"/>
+    <dgm:cxn modelId="{C7FE746B-A3F4-47F1-A352-61B96C1D4691}" srcId="{73A58A39-E5E8-4328-82CA-EA480BCAFE27}" destId="{77989C9A-2532-4E8C-949A-8FEAD7C53123}" srcOrd="1" destOrd="0" parTransId="{414D69CF-4783-4A66-A345-4BDB7639D25E}" sibTransId="{8DC2BFF0-C2ED-42D5-AD1A-E7C8B8BFD3BB}"/>
+    <dgm:cxn modelId="{D2FB5BF8-F34B-449B-BE02-418907C09927}" srcId="{73A58A39-E5E8-4328-82CA-EA480BCAFE27}" destId="{FB64A0B6-3230-47CE-BB15-4D2F1873AC7D}" srcOrd="0" destOrd="0" parTransId="{C075F740-0F10-4D4D-9C07-3AB4060441AD}" sibTransId="{9C9E7E83-1BAD-41EB-AD36-4769145A9EE0}"/>
+    <dgm:cxn modelId="{B195534B-7662-490C-AB98-F222D0F3D0AE}" srcId="{2248E3B7-D333-4089-9662-8FD76787833D}" destId="{C6AE941C-01E6-482A-A5DC-10CCC25CF5A0}" srcOrd="2" destOrd="0" parTransId="{FBC49FF3-69E3-4546-A86F-0B2DB50034A9}" sibTransId="{B8E39372-A6DE-4326-BE9D-CC0DA643E07D}"/>
+    <dgm:cxn modelId="{A39C844E-E830-43F4-A553-FFA7AE73DB77}" srcId="{3958F960-DECA-4D8D-B624-F3A4AAB8D93F}" destId="{EEE165BE-2DA9-47D5-ABE4-521B98CD774F}" srcOrd="0" destOrd="0" parTransId="{97C2FB57-F7A9-46C7-B28D-341DCA6BB3CF}" sibTransId="{12CB45A7-CFE7-4C57-91E5-1C4335549A7B}"/>
+    <dgm:cxn modelId="{F08D367B-EE99-44E4-9E34-201BA6574EC0}" type="presOf" srcId="{6F1027AC-2BBD-40C9-A180-0C54E8BE76AD}" destId="{CDCA1351-20A5-4C5F-B6BB-7884011AF83C}" srcOrd="0" destOrd="0" presId="urn:microsoft.com/office/officeart/2005/8/layout/vList5"/>
+    <dgm:cxn modelId="{1A63E876-1C0B-4630-A31E-69C34D333131}" type="presOf" srcId="{73A58A39-E5E8-4328-82CA-EA480BCAFE27}" destId="{7F87D7F1-1E7A-4440-A2A4-44A2584F20C7}" srcOrd="0" destOrd="0" presId="urn:microsoft.com/office/officeart/2005/8/layout/vList5"/>
     <dgm:cxn modelId="{79675987-E5F2-480B-8250-4C01CD816AEA}" type="presOf" srcId="{F679D161-75A7-48A0-BC0C-F6D4E26B5C25}" destId="{CDCA1351-20A5-4C5F-B6BB-7884011AF83C}" srcOrd="0" destOrd="1" presId="urn:microsoft.com/office/officeart/2005/8/layout/vList5"/>
+    <dgm:cxn modelId="{B8650DAF-0036-4839-A11B-6C31314DF6E0}" srcId="{EEE165BE-2DA9-47D5-ABE4-521B98CD774F}" destId="{6F1027AC-2BBD-40C9-A180-0C54E8BE76AD}" srcOrd="0" destOrd="0" parTransId="{A2D8BD2F-863F-4083-AB7D-CD6386A1C7D3}" sibTransId="{3F4A3D18-BB88-4130-ABDD-C520821CE52D}"/>
+    <dgm:cxn modelId="{B57D8E0F-2A0B-4D06-A26F-13A367A49F14}" type="presOf" srcId="{FA4D482B-6551-4F3A-9C75-AB0A93B21D16}" destId="{CDCA1351-20A5-4C5F-B6BB-7884011AF83C}" srcOrd="0" destOrd="2" presId="urn:microsoft.com/office/officeart/2005/8/layout/vList5"/>
+    <dgm:cxn modelId="{0E6CEC40-5FFF-4DA6-A8CC-6E0495F863FE}" srcId="{EEE165BE-2DA9-47D5-ABE4-521B98CD774F}" destId="{F679D161-75A7-48A0-BC0C-F6D4E26B5C25}" srcOrd="1" destOrd="0" parTransId="{C5922A76-928A-447B-ACAE-590906473EAB}" sibTransId="{20F804DF-1461-48E5-937E-62F971FC56B3}"/>
+    <dgm:cxn modelId="{D236D211-9B30-4B34-B997-F9933F222CFB}" type="presOf" srcId="{428DF0D7-51CD-46CE-A19E-DACBED35439B}" destId="{65C42CF7-3BCF-45EA-9230-8F109B28E3FA}" srcOrd="0" destOrd="1" presId="urn:microsoft.com/office/officeart/2005/8/layout/vList5"/>
     <dgm:cxn modelId="{B5B83EC3-577F-453E-9FB5-4E7FDA167845}" srcId="{3958F960-DECA-4D8D-B624-F3A4AAB8D93F}" destId="{2248E3B7-D333-4089-9662-8FD76787833D}" srcOrd="2" destOrd="0" parTransId="{E834E846-AC27-4FA4-82A6-EB9C73C56959}" sibTransId="{7D1E6F1B-1E99-4AB0-B010-64283E70B5BC}"/>
-    <dgm:cxn modelId="{2679FA1C-300A-46E1-9DCA-C07C3A4FFE5A}" srcId="{EEE165BE-2DA9-47D5-ABE4-521B98CD774F}" destId="{FA4D482B-6551-4F3A-9C75-AB0A93B21D16}" srcOrd="2" destOrd="0" parTransId="{731BBE58-5AEA-442E-A602-C0D01567AFBF}" sibTransId="{2E38FC82-ADFA-4FE2-A3D3-F76EF51A41F3}"/>
+    <dgm:cxn modelId="{8DAF17C2-CA8A-4288-8DB7-639C1839FD05}" type="presOf" srcId="{C6AE941C-01E6-482A-A5DC-10CCC25CF5A0}" destId="{65C42CF7-3BCF-45EA-9230-8F109B28E3FA}" srcOrd="0" destOrd="2" presId="urn:microsoft.com/office/officeart/2005/8/layout/vList5"/>
     <dgm:cxn modelId="{C7D1E89D-7E2B-40F6-94F8-0E5A4AF74575}" type="presOf" srcId="{3958F960-DECA-4D8D-B624-F3A4AAB8D93F}" destId="{17FD8BEC-3A84-43C3-A358-73687C7997F7}" srcOrd="0" destOrd="0" presId="urn:microsoft.com/office/officeart/2005/8/layout/vList5"/>
-    <dgm:cxn modelId="{1A63E876-1C0B-4630-A31E-69C34D333131}" type="presOf" srcId="{73A58A39-E5E8-4328-82CA-EA480BCAFE27}" destId="{7F87D7F1-1E7A-4440-A2A4-44A2584F20C7}" srcOrd="0" destOrd="0" presId="urn:microsoft.com/office/officeart/2005/8/layout/vList5"/>
+    <dgm:cxn modelId="{C3D26FD2-8D8C-4B9F-8059-852C89D66CB1}" type="presOf" srcId="{EEE165BE-2DA9-47D5-ABE4-521B98CD774F}" destId="{69EA68D7-D70B-4203-BF80-F098E5F1A890}" srcOrd="0" destOrd="0" presId="urn:microsoft.com/office/officeart/2005/8/layout/vList5"/>
     <dgm:cxn modelId="{E07CD061-4932-432E-9318-089EC1AC76E4}" type="presOf" srcId="{2248E3B7-D333-4089-9662-8FD76787833D}" destId="{97611083-6693-47C7-BE13-138D3C8A8FF0}" srcOrd="0" destOrd="0" presId="urn:microsoft.com/office/officeart/2005/8/layout/vList5"/>
-    <dgm:cxn modelId="{8DAF17C2-CA8A-4288-8DB7-639C1839FD05}" type="presOf" srcId="{C6AE941C-01E6-482A-A5DC-10CCC25CF5A0}" destId="{65C42CF7-3BCF-45EA-9230-8F109B28E3FA}" srcOrd="0" destOrd="2" presId="urn:microsoft.com/office/officeart/2005/8/layout/vList5"/>
-    <dgm:cxn modelId="{E0DEDC4C-7688-4C13-9E33-536C1233E6F9}" type="presOf" srcId="{77989C9A-2532-4E8C-949A-8FEAD7C53123}" destId="{3D82EC8C-B11E-404B-A8C8-BED6641AE4A8}" srcOrd="0" destOrd="1" presId="urn:microsoft.com/office/officeart/2005/8/layout/vList5"/>
-    <dgm:cxn modelId="{A43AE6E6-BD80-42B1-A391-00EBF617A96D}" srcId="{2248E3B7-D333-4089-9662-8FD76787833D}" destId="{9C0A4250-38F8-44A2-8F93-1174978AB95D}" srcOrd="0" destOrd="0" parTransId="{4A92C92B-8548-41BC-BE2C-34045BE6C00E}" sibTransId="{C6DD9566-E1A5-41BF-81EF-BF833C293836}"/>
-    <dgm:cxn modelId="{D236D211-9B30-4B34-B997-F9933F222CFB}" type="presOf" srcId="{428DF0D7-51CD-46CE-A19E-DACBED35439B}" destId="{65C42CF7-3BCF-45EA-9230-8F109B28E3FA}" srcOrd="0" destOrd="1" presId="urn:microsoft.com/office/officeart/2005/8/layout/vList5"/>
-    <dgm:cxn modelId="{B8650DAF-0036-4839-A11B-6C31314DF6E0}" srcId="{EEE165BE-2DA9-47D5-ABE4-521B98CD774F}" destId="{6F1027AC-2BBD-40C9-A180-0C54E8BE76AD}" srcOrd="0" destOrd="0" parTransId="{A2D8BD2F-863F-4083-AB7D-CD6386A1C7D3}" sibTransId="{3F4A3D18-BB88-4130-ABDD-C520821CE52D}"/>
-    <dgm:cxn modelId="{19880EBA-CB3C-419D-B268-99F855957745}" type="presOf" srcId="{FB64A0B6-3230-47CE-BB15-4D2F1873AC7D}" destId="{3D82EC8C-B11E-404B-A8C8-BED6641AE4A8}" srcOrd="0" destOrd="0" presId="urn:microsoft.com/office/officeart/2005/8/layout/vList5"/>
-    <dgm:cxn modelId="{B57D8E0F-2A0B-4D06-A26F-13A367A49F14}" type="presOf" srcId="{FA4D482B-6551-4F3A-9C75-AB0A93B21D16}" destId="{CDCA1351-20A5-4C5F-B6BB-7884011AF83C}" srcOrd="0" destOrd="2" presId="urn:microsoft.com/office/officeart/2005/8/layout/vList5"/>
-    <dgm:cxn modelId="{C7FE746B-A3F4-47F1-A352-61B96C1D4691}" srcId="{73A58A39-E5E8-4328-82CA-EA480BCAFE27}" destId="{77989C9A-2532-4E8C-949A-8FEAD7C53123}" srcOrd="1" destOrd="0" parTransId="{414D69CF-4783-4A66-A345-4BDB7639D25E}" sibTransId="{8DC2BFF0-C2ED-42D5-AD1A-E7C8B8BFD3BB}"/>
-    <dgm:cxn modelId="{CAA4E6A2-8398-4AC0-BDB4-6840015CC8EB}" srcId="{2248E3B7-D333-4089-9662-8FD76787833D}" destId="{428DF0D7-51CD-46CE-A19E-DACBED35439B}" srcOrd="1" destOrd="0" parTransId="{BF973FED-18BD-45B3-83F9-9F1BE8F815D3}" sibTransId="{507BA2AF-5DAE-4A79-83DC-8976A9B322F9}"/>
-    <dgm:cxn modelId="{F08D367B-EE99-44E4-9E34-201BA6574EC0}" type="presOf" srcId="{6F1027AC-2BBD-40C9-A180-0C54E8BE76AD}" destId="{CDCA1351-20A5-4C5F-B6BB-7884011AF83C}" srcOrd="0" destOrd="0" presId="urn:microsoft.com/office/officeart/2005/8/layout/vList5"/>
-    <dgm:cxn modelId="{B195534B-7662-490C-AB98-F222D0F3D0AE}" srcId="{2248E3B7-D333-4089-9662-8FD76787833D}" destId="{C6AE941C-01E6-482A-A5DC-10CCC25CF5A0}" srcOrd="2" destOrd="0" parTransId="{FBC49FF3-69E3-4546-A86F-0B2DB50034A9}" sibTransId="{B8E39372-A6DE-4326-BE9D-CC0DA643E07D}"/>
-    <dgm:cxn modelId="{D2FB5BF8-F34B-449B-BE02-418907C09927}" srcId="{73A58A39-E5E8-4328-82CA-EA480BCAFE27}" destId="{FB64A0B6-3230-47CE-BB15-4D2F1873AC7D}" srcOrd="0" destOrd="0" parTransId="{C075F740-0F10-4D4D-9C07-3AB4060441AD}" sibTransId="{9C9E7E83-1BAD-41EB-AD36-4769145A9EE0}"/>
-    <dgm:cxn modelId="{5278D981-2C8A-4A92-9726-2AE24189C7C9}" srcId="{3958F960-DECA-4D8D-B624-F3A4AAB8D93F}" destId="{73A58A39-E5E8-4328-82CA-EA480BCAFE27}" srcOrd="1" destOrd="0" parTransId="{4B585953-5979-4A51-BD7E-9F3BFAEAF074}" sibTransId="{567277A6-FCB2-49E4-9414-BD472C9152D0}"/>
-    <dgm:cxn modelId="{A39C844E-E830-43F4-A553-FFA7AE73DB77}" srcId="{3958F960-DECA-4D8D-B624-F3A4AAB8D93F}" destId="{EEE165BE-2DA9-47D5-ABE4-521B98CD774F}" srcOrd="0" destOrd="0" parTransId="{97C2FB57-F7A9-46C7-B28D-341DCA6BB3CF}" sibTransId="{12CB45A7-CFE7-4C57-91E5-1C4335549A7B}"/>
-    <dgm:cxn modelId="{133CEAF5-08E0-46EF-894D-724D925CFC56}" type="presOf" srcId="{9C0A4250-38F8-44A2-8F93-1174978AB95D}" destId="{65C42CF7-3BCF-45EA-9230-8F109B28E3FA}" srcOrd="0" destOrd="0" presId="urn:microsoft.com/office/officeart/2005/8/layout/vList5"/>
-    <dgm:cxn modelId="{0E6CEC40-5FFF-4DA6-A8CC-6E0495F863FE}" srcId="{EEE165BE-2DA9-47D5-ABE4-521B98CD774F}" destId="{F679D161-75A7-48A0-BC0C-F6D4E26B5C25}" srcOrd="1" destOrd="0" parTransId="{C5922A76-928A-447B-ACAE-590906473EAB}" sibTransId="{20F804DF-1461-48E5-937E-62F971FC56B3}"/>
-    <dgm:cxn modelId="{C3D26FD2-8D8C-4B9F-8059-852C89D66CB1}" type="presOf" srcId="{EEE165BE-2DA9-47D5-ABE4-521B98CD774F}" destId="{69EA68D7-D70B-4203-BF80-F098E5F1A890}" srcOrd="0" destOrd="0" presId="urn:microsoft.com/office/officeart/2005/8/layout/vList5"/>
     <dgm:cxn modelId="{2E51CCFF-70DB-44AB-8929-75991C490647}" type="presParOf" srcId="{17FD8BEC-3A84-43C3-A358-73687C7997F7}" destId="{EEF9BE27-B0CA-4000-8A69-E5CED89CC419}" srcOrd="0" destOrd="0" presId="urn:microsoft.com/office/officeart/2005/8/layout/vList5"/>
     <dgm:cxn modelId="{2947AF5B-7B6A-4850-A77C-6C16C9465B3D}" type="presParOf" srcId="{EEF9BE27-B0CA-4000-8A69-E5CED89CC419}" destId="{69EA68D7-D70B-4203-BF80-F098E5F1A890}" srcOrd="0" destOrd="0" presId="urn:microsoft.com/office/officeart/2005/8/layout/vList5"/>
     <dgm:cxn modelId="{7067A0D6-7BB9-43E5-93BF-D32A906E40D4}" type="presParOf" srcId="{EEF9BE27-B0CA-4000-8A69-E5CED89CC419}" destId="{CDCA1351-20A5-4C5F-B6BB-7884011AF83C}" srcOrd="1" destOrd="0" presId="urn:microsoft.com/office/officeart/2005/8/layout/vList5"/>
@@ -3549,7 +3550,7 @@
               <a:pPr>
                 <a:defRPr/>
               </a:pPr>
-              <a:t>11/9/2015</a:t>
+              <a:t>11/10/2015</a:t>
             </a:fld>
             <a:endParaRPr lang="en-US"/>
           </a:p>
@@ -3765,7 +3766,7 @@
               <a:pPr>
                 <a:defRPr/>
               </a:pPr>
-              <a:t>11/9/2015</a:t>
+              <a:t>11/10/2015</a:t>
             </a:fld>
             <a:endParaRPr lang="en-US"/>
           </a:p>
@@ -4399,7 +4400,7 @@
             <a:fld id="{DCE07BC8-2BB5-4F4C-B3A2-BCFA95665938}" type="slidenum">
               <a:rPr lang="en-US" sz="1200"/>
               <a:pPr algn="r" eaLnBrk="1" hangingPunct="1"/>
-              <a:t>27</a:t>
+              <a:t>28</a:t>
             </a:fld>
             <a:endParaRPr lang="en-US" sz="1200" dirty="0"/>
           </a:p>
@@ -4791,7 +4792,7 @@
               <a:pPr>
                 <a:defRPr/>
               </a:pPr>
-              <a:t>14</a:t>
+              <a:t>15</a:t>
             </a:fld>
             <a:endParaRPr lang="en-US"/>
           </a:p>
@@ -4881,7 +4882,7 @@
               <a:pPr>
                 <a:defRPr/>
               </a:pPr>
-              <a:t>17</a:t>
+              <a:t>18</a:t>
             </a:fld>
             <a:endParaRPr lang="en-US"/>
           </a:p>
@@ -5117,7 +5118,7 @@
             <a:fld id="{DCE07BC8-2BB5-4F4C-B3A2-BCFA95665938}" type="slidenum">
               <a:rPr lang="en-US" sz="1200"/>
               <a:pPr algn="r" eaLnBrk="1" hangingPunct="1"/>
-              <a:t>24</a:t>
+              <a:t>25</a:t>
             </a:fld>
             <a:endParaRPr lang="en-US" sz="1200" dirty="0"/>
           </a:p>
@@ -5353,7 +5354,7 @@
             <a:fld id="{DCE07BC8-2BB5-4F4C-B3A2-BCFA95665938}" type="slidenum">
               <a:rPr lang="en-US" sz="1200"/>
               <a:pPr algn="r" eaLnBrk="1" hangingPunct="1"/>
-              <a:t>25</a:t>
+              <a:t>26</a:t>
             </a:fld>
             <a:endParaRPr lang="en-US" sz="1200" dirty="0"/>
           </a:p>
@@ -5589,7 +5590,7 @@
             <a:fld id="{DCE07BC8-2BB5-4F4C-B3A2-BCFA95665938}" type="slidenum">
               <a:rPr lang="en-US" sz="1200"/>
               <a:pPr algn="r" eaLnBrk="1" hangingPunct="1"/>
-              <a:t>26</a:t>
+              <a:t>27</a:t>
             </a:fld>
             <a:endParaRPr lang="en-US" sz="1200" dirty="0"/>
           </a:p>
@@ -7321,17 +7322,21 @@
             </a:pPr>
             <a:r>
               <a:rPr lang="en-US" sz="2400" i="1" dirty="0" smtClean="0">
+                <a:solidFill>
+                  <a:schemeClr val="accent2">
+                    <a:lumMod val="50000"/>
+                  </a:schemeClr>
+                </a:solidFill>
                 <a:latin typeface="+mn-lt"/>
               </a:rPr>
-              <a:t>November 9, </a:t>
-            </a:r>
-            <a:r>
-              <a:rPr lang="en-US" sz="2400" i="1" dirty="0" smtClean="0">
-                <a:latin typeface="+mn-lt"/>
-              </a:rPr>
-              <a:t>2015</a:t>
+              <a:t>November 10, 2015</a:t>
             </a:r>
             <a:endParaRPr lang="en-US" sz="2400" i="1" dirty="0">
+              <a:solidFill>
+                <a:schemeClr val="accent2">
+                  <a:lumMod val="50000"/>
+                </a:schemeClr>
+              </a:solidFill>
               <a:latin typeface="+mn-lt"/>
             </a:endParaRPr>
           </a:p>
@@ -7374,7 +7379,7 @@
         </p:nvSpPr>
         <p:spPr>
           <a:xfrm>
-            <a:off x="304800" y="5562600"/>
+            <a:off x="0" y="5802868"/>
             <a:ext cx="4724400" cy="369332"/>
           </a:xfrm>
           <a:prstGeom prst="rect">
@@ -7682,6 +7687,1564 @@
 </file>
 
 <file path=ppt/slides/slide11.xml><?xml version="1.0" encoding="utf-8"?>
+<p:sld xmlns:a="http://schemas.openxmlformats.org/drawingml/2006/main" xmlns:r="http://schemas.openxmlformats.org/officeDocument/2006/relationships" xmlns:p="http://schemas.openxmlformats.org/presentationml/2006/main">
+  <p:cSld>
+    <p:spTree>
+      <p:nvGrpSpPr>
+        <p:cNvPr id="1" name=""/>
+        <p:cNvGrpSpPr/>
+        <p:nvPr/>
+      </p:nvGrpSpPr>
+      <p:grpSpPr>
+        <a:xfrm>
+          <a:off x="0" y="0"/>
+          <a:ext cx="0" cy="0"/>
+          <a:chOff x="0" y="0"/>
+          <a:chExt cx="0" cy="0"/>
+        </a:xfrm>
+      </p:grpSpPr>
+      <p:sp>
+        <p:nvSpPr>
+          <p:cNvPr id="5122" name="Rectangle 45"/>
+          <p:cNvSpPr>
+            <a:spLocks noChangeArrowheads="1"/>
+          </p:cNvSpPr>
+          <p:nvPr/>
+        </p:nvSpPr>
+        <p:spPr bwMode="auto">
+          <a:xfrm>
+            <a:off x="127000" y="4641850"/>
+            <a:ext cx="8401050" cy="1247775"/>
+          </a:xfrm>
+          <a:prstGeom prst="rect">
+            <a:avLst/>
+          </a:prstGeom>
+          <a:noFill/>
+          <a:ln>
+            <a:noFill/>
+          </a:ln>
+          <a:extLst>
+            <a:ext uri="{909E8E84-426E-40DD-AFC4-6F175D3DCCD1}">
+              <a14:hiddenFill xmlns:a14="http://schemas.microsoft.com/office/drawing/2010/main">
+                <a:solidFill>
+                  <a:srgbClr val="FFFFFF"/>
+                </a:solidFill>
+              </a14:hiddenFill>
+            </a:ext>
+            <a:ext uri="{91240B29-F687-4F45-9708-019B960494DF}">
+              <a14:hiddenLine xmlns:a14="http://schemas.microsoft.com/office/drawing/2010/main" w="9525">
+                <a:solidFill>
+                  <a:srgbClr val="000000"/>
+                </a:solidFill>
+                <a:miter lim="800000"/>
+                <a:headEnd/>
+                <a:tailEnd/>
+              </a14:hiddenLine>
+            </a:ext>
+          </a:extLst>
+        </p:spPr>
+        <p:txBody>
+          <a:bodyPr/>
+          <a:lstStyle>
+            <a:lvl1pPr marL="342900" indent="-342900" eaLnBrk="0" hangingPunct="0">
+              <a:spcBef>
+                <a:spcPct val="20000"/>
+              </a:spcBef>
+              <a:buChar char="•"/>
+              <a:defRPr sz="2200">
+                <a:solidFill>
+                  <a:schemeClr val="tx1"/>
+                </a:solidFill>
+                <a:latin typeface="Arial" charset="0"/>
+              </a:defRPr>
+            </a:lvl1pPr>
+            <a:lvl2pPr eaLnBrk="0" hangingPunct="0">
+              <a:spcBef>
+                <a:spcPct val="20000"/>
+              </a:spcBef>
+              <a:buChar char="–"/>
+              <a:defRPr>
+                <a:solidFill>
+                  <a:schemeClr val="tx1"/>
+                </a:solidFill>
+                <a:latin typeface="Arial" charset="0"/>
+              </a:defRPr>
+            </a:lvl2pPr>
+            <a:lvl3pPr marL="1143000" indent="-228600" eaLnBrk="0" hangingPunct="0">
+              <a:spcBef>
+                <a:spcPct val="20000"/>
+              </a:spcBef>
+              <a:buChar char="•"/>
+              <a:defRPr sz="1400">
+                <a:solidFill>
+                  <a:schemeClr val="tx1"/>
+                </a:solidFill>
+                <a:latin typeface="Arial" charset="0"/>
+              </a:defRPr>
+            </a:lvl3pPr>
+            <a:lvl4pPr marL="1600200" indent="-228600" eaLnBrk="0" hangingPunct="0">
+              <a:spcBef>
+                <a:spcPct val="20000"/>
+              </a:spcBef>
+              <a:buChar char="–"/>
+              <a:defRPr sz="1000">
+                <a:solidFill>
+                  <a:schemeClr val="tx1"/>
+                </a:solidFill>
+                <a:latin typeface="Arial" charset="0"/>
+              </a:defRPr>
+            </a:lvl4pPr>
+            <a:lvl5pPr marL="2057400" indent="-228600" eaLnBrk="0" hangingPunct="0">
+              <a:spcBef>
+                <a:spcPct val="20000"/>
+              </a:spcBef>
+              <a:buChar char="»"/>
+              <a:defRPr sz="1000">
+                <a:solidFill>
+                  <a:schemeClr val="tx1"/>
+                </a:solidFill>
+                <a:latin typeface="Arial" charset="0"/>
+              </a:defRPr>
+            </a:lvl5pPr>
+            <a:lvl6pPr marL="2514600" indent="-228600" eaLnBrk="0" fontAlgn="base" hangingPunct="0">
+              <a:spcBef>
+                <a:spcPct val="20000"/>
+              </a:spcBef>
+              <a:spcAft>
+                <a:spcPct val="0"/>
+              </a:spcAft>
+              <a:buChar char="»"/>
+              <a:defRPr sz="1000">
+                <a:solidFill>
+                  <a:schemeClr val="tx1"/>
+                </a:solidFill>
+                <a:latin typeface="Arial" charset="0"/>
+              </a:defRPr>
+            </a:lvl6pPr>
+            <a:lvl7pPr marL="2971800" indent="-228600" eaLnBrk="0" fontAlgn="base" hangingPunct="0">
+              <a:spcBef>
+                <a:spcPct val="20000"/>
+              </a:spcBef>
+              <a:spcAft>
+                <a:spcPct val="0"/>
+              </a:spcAft>
+              <a:buChar char="»"/>
+              <a:defRPr sz="1000">
+                <a:solidFill>
+                  <a:schemeClr val="tx1"/>
+                </a:solidFill>
+                <a:latin typeface="Arial" charset="0"/>
+              </a:defRPr>
+            </a:lvl7pPr>
+            <a:lvl8pPr marL="3429000" indent="-228600" eaLnBrk="0" fontAlgn="base" hangingPunct="0">
+              <a:spcBef>
+                <a:spcPct val="20000"/>
+              </a:spcBef>
+              <a:spcAft>
+                <a:spcPct val="0"/>
+              </a:spcAft>
+              <a:buChar char="»"/>
+              <a:defRPr sz="1000">
+                <a:solidFill>
+                  <a:schemeClr val="tx1"/>
+                </a:solidFill>
+                <a:latin typeface="Arial" charset="0"/>
+              </a:defRPr>
+            </a:lvl8pPr>
+            <a:lvl9pPr marL="3886200" indent="-228600" eaLnBrk="0" fontAlgn="base" hangingPunct="0">
+              <a:spcBef>
+                <a:spcPct val="20000"/>
+              </a:spcBef>
+              <a:spcAft>
+                <a:spcPct val="0"/>
+              </a:spcAft>
+              <a:buChar char="»"/>
+              <a:defRPr sz="1000">
+                <a:solidFill>
+                  <a:schemeClr val="tx1"/>
+                </a:solidFill>
+                <a:latin typeface="Arial" charset="0"/>
+              </a:defRPr>
+            </a:lvl9pPr>
+          </a:lstStyle>
+          <a:p>
+            <a:pPr marL="0" lvl="1" eaLnBrk="1" hangingPunct="1">
+              <a:spcBef>
+                <a:spcPct val="0"/>
+              </a:spcBef>
+              <a:buFontTx/>
+              <a:buNone/>
+            </a:pPr>
+            <a:endParaRPr lang="en-US" altLang="en-US" sz="1200" b="0"/>
+          </a:p>
+        </p:txBody>
+      </p:sp>
+      <p:graphicFrame>
+        <p:nvGraphicFramePr>
+          <p:cNvPr id="17" name="Table 16"/>
+          <p:cNvGraphicFramePr>
+            <a:graphicFrameLocks noGrp="1"/>
+          </p:cNvGraphicFramePr>
+          <p:nvPr>
+            <p:extLst>
+              <p:ext uri="{D42A27DB-BD31-4B8C-83A1-F6EECF244321}">
+                <p14:modId xmlns:p14="http://schemas.microsoft.com/office/powerpoint/2010/main" val="947160761"/>
+              </p:ext>
+            </p:extLst>
+          </p:nvPr>
+        </p:nvGraphicFramePr>
+        <p:xfrm>
+          <a:off x="127000" y="1362501"/>
+          <a:ext cx="8864600" cy="4621240"/>
+        </p:xfrm>
+        <a:graphic>
+          <a:graphicData uri="http://schemas.openxmlformats.org/drawingml/2006/table">
+            <a:tbl>
+              <a:tblPr firstRow="1" bandRow="1">
+                <a:tableStyleId>{5C22544A-7EE6-4342-B048-85BDC9FD1C3A}</a:tableStyleId>
+              </a:tblPr>
+              <a:tblGrid>
+                <a:gridCol w="2014680"/>
+                <a:gridCol w="6849920"/>
+              </a:tblGrid>
+              <a:tr h="415048">
+                <a:tc gridSpan="2">
+                  <a:txBody>
+                    <a:bodyPr/>
+                    <a:lstStyle/>
+                    <a:p>
+                      <a:pPr algn="ctr"/>
+                      <a:r>
+                        <a:rPr lang="en-US" sz="1800" dirty="0" smtClean="0">
+                          <a:solidFill>
+                            <a:schemeClr val="bg1"/>
+                          </a:solidFill>
+                        </a:rPr>
+                        <a:t>Key</a:t>
+                      </a:r>
+                      <a:r>
+                        <a:rPr lang="en-US" sz="1800" baseline="0" dirty="0" smtClean="0">
+                          <a:solidFill>
+                            <a:schemeClr val="bg1"/>
+                          </a:solidFill>
+                        </a:rPr>
+                        <a:t> Testing Functions and Descriptions</a:t>
+                      </a:r>
+                      <a:endParaRPr lang="en-US" sz="1800" dirty="0">
+                        <a:solidFill>
+                          <a:schemeClr val="bg1"/>
+                        </a:solidFill>
+                      </a:endParaRPr>
+                    </a:p>
+                  </a:txBody>
+                  <a:tcPr marL="91446" marR="91446" marT="45706" marB="45706">
+                    <a:lnL w="28575" cap="flat" cmpd="sng" algn="ctr">
+                      <a:solidFill>
+                        <a:srgbClr val="7E0407"/>
+                      </a:solidFill>
+                      <a:prstDash val="solid"/>
+                      <a:round/>
+                      <a:headEnd type="none" w="med" len="med"/>
+                      <a:tailEnd type="none" w="med" len="med"/>
+                    </a:lnL>
+                    <a:lnR w="28575" cap="flat" cmpd="sng" algn="ctr">
+                      <a:solidFill>
+                        <a:srgbClr val="7E0407"/>
+                      </a:solidFill>
+                      <a:prstDash val="solid"/>
+                      <a:round/>
+                      <a:headEnd type="none" w="med" len="med"/>
+                      <a:tailEnd type="none" w="med" len="med"/>
+                    </a:lnR>
+                    <a:lnT w="28575" cap="flat" cmpd="sng" algn="ctr">
+                      <a:solidFill>
+                        <a:srgbClr val="7E0407"/>
+                      </a:solidFill>
+                      <a:prstDash val="solid"/>
+                      <a:round/>
+                      <a:headEnd type="none" w="med" len="med"/>
+                      <a:tailEnd type="none" w="med" len="med"/>
+                    </a:lnT>
+                    <a:lnB w="12700" cap="flat" cmpd="sng" algn="ctr">
+                      <a:solidFill>
+                        <a:schemeClr val="bg1">
+                          <a:lumMod val="65000"/>
+                        </a:schemeClr>
+                      </a:solidFill>
+                      <a:prstDash val="solid"/>
+                      <a:round/>
+                      <a:headEnd type="none" w="med" len="med"/>
+                      <a:tailEnd type="none" w="med" len="med"/>
+                    </a:lnB>
+                    <a:solidFill>
+                      <a:srgbClr val="002060"/>
+                    </a:solidFill>
+                  </a:tcPr>
+                </a:tc>
+                <a:tc hMerge="1">
+                  <a:txBody>
+                    <a:bodyPr/>
+                    <a:lstStyle/>
+                    <a:p>
+                      <a:endParaRPr lang="en-US" dirty="0"/>
+                    </a:p>
+                  </a:txBody>
+                  <a:tcPr/>
+                </a:tc>
+              </a:tr>
+              <a:tr h="279851">
+                <a:tc>
+                  <a:txBody>
+                    <a:bodyPr/>
+                    <a:lstStyle/>
+                    <a:p>
+                      <a:pPr marL="0" marR="0" lvl="1" indent="0" algn="ctr" defTabSz="914400" rtl="0" eaLnBrk="1" fontAlgn="auto" latinLnBrk="0" hangingPunct="1">
+                        <a:lnSpc>
+                          <a:spcPct val="100000"/>
+                        </a:lnSpc>
+                        <a:spcBef>
+                          <a:spcPts val="0"/>
+                        </a:spcBef>
+                        <a:spcAft>
+                          <a:spcPts val="0"/>
+                        </a:spcAft>
+                        <a:buClrTx/>
+                        <a:buSzTx/>
+                        <a:buFontTx/>
+                        <a:buNone/>
+                        <a:tabLst/>
+                        <a:defRPr/>
+                      </a:pPr>
+                      <a:r>
+                        <a:rPr lang="en-US" sz="1600" b="1" dirty="0" smtClean="0">
+                          <a:sym typeface="Wingdings" pitchFamily="2" charset="2"/>
+                        </a:rPr>
+                        <a:t>Function</a:t>
+                      </a:r>
+                    </a:p>
+                  </a:txBody>
+                  <a:tcPr marL="91446" marR="91446" marT="45706" marB="45706">
+                    <a:lnL w="28575" cap="flat" cmpd="sng" algn="ctr">
+                      <a:solidFill>
+                        <a:srgbClr val="7E0407"/>
+                      </a:solidFill>
+                      <a:prstDash val="solid"/>
+                      <a:round/>
+                      <a:headEnd type="none" w="med" len="med"/>
+                      <a:tailEnd type="none" w="med" len="med"/>
+                    </a:lnL>
+                    <a:lnR w="12700" cap="flat" cmpd="sng" algn="ctr">
+                      <a:solidFill>
+                        <a:schemeClr val="bg1">
+                          <a:lumMod val="65000"/>
+                        </a:schemeClr>
+                      </a:solidFill>
+                      <a:prstDash val="solid"/>
+                      <a:round/>
+                      <a:headEnd type="none" w="med" len="med"/>
+                      <a:tailEnd type="none" w="med" len="med"/>
+                    </a:lnR>
+                    <a:lnT w="12700" cap="flat" cmpd="sng" algn="ctr">
+                      <a:solidFill>
+                        <a:schemeClr val="bg1">
+                          <a:lumMod val="65000"/>
+                        </a:schemeClr>
+                      </a:solidFill>
+                      <a:prstDash val="solid"/>
+                      <a:round/>
+                      <a:headEnd type="none" w="med" len="med"/>
+                      <a:tailEnd type="none" w="med" len="med"/>
+                    </a:lnT>
+                    <a:lnB w="12700" cap="flat" cmpd="sng" algn="ctr">
+                      <a:solidFill>
+                        <a:schemeClr val="bg1">
+                          <a:lumMod val="65000"/>
+                        </a:schemeClr>
+                      </a:solidFill>
+                      <a:prstDash val="solid"/>
+                      <a:round/>
+                      <a:headEnd type="none" w="med" len="med"/>
+                      <a:tailEnd type="none" w="med" len="med"/>
+                    </a:lnB>
+                    <a:solidFill>
+                      <a:schemeClr val="accent6">
+                        <a:lumMod val="20000"/>
+                        <a:lumOff val="80000"/>
+                      </a:schemeClr>
+                    </a:solidFill>
+                  </a:tcPr>
+                </a:tc>
+                <a:tc>
+                  <a:txBody>
+                    <a:bodyPr/>
+                    <a:lstStyle/>
+                    <a:p>
+                      <a:pPr marL="0" lvl="1" algn="ctr">
+                        <a:defRPr/>
+                      </a:pPr>
+                      <a:r>
+                        <a:rPr lang="en-US" sz="1600" b="1" dirty="0" smtClean="0"/>
+                        <a:t>Description</a:t>
+                      </a:r>
+                    </a:p>
+                  </a:txBody>
+                  <a:tcPr marL="91446" marR="91446" marT="45706" marB="45706">
+                    <a:lnL w="12700" cap="flat" cmpd="sng" algn="ctr">
+                      <a:solidFill>
+                        <a:schemeClr val="bg1">
+                          <a:lumMod val="65000"/>
+                        </a:schemeClr>
+                      </a:solidFill>
+                      <a:prstDash val="solid"/>
+                      <a:round/>
+                      <a:headEnd type="none" w="med" len="med"/>
+                      <a:tailEnd type="none" w="med" len="med"/>
+                    </a:lnL>
+                    <a:lnR w="28575" cap="flat" cmpd="sng" algn="ctr">
+                      <a:solidFill>
+                        <a:srgbClr val="7E0407"/>
+                      </a:solidFill>
+                      <a:prstDash val="solid"/>
+                      <a:round/>
+                      <a:headEnd type="none" w="med" len="med"/>
+                      <a:tailEnd type="none" w="med" len="med"/>
+                    </a:lnR>
+                    <a:lnT w="12700" cap="flat" cmpd="sng" algn="ctr">
+                      <a:solidFill>
+                        <a:schemeClr val="bg1">
+                          <a:lumMod val="65000"/>
+                        </a:schemeClr>
+                      </a:solidFill>
+                      <a:prstDash val="solid"/>
+                      <a:round/>
+                      <a:headEnd type="none" w="med" len="med"/>
+                      <a:tailEnd type="none" w="med" len="med"/>
+                    </a:lnT>
+                    <a:lnB w="12700" cap="flat" cmpd="sng" algn="ctr">
+                      <a:solidFill>
+                        <a:schemeClr val="bg1">
+                          <a:lumMod val="65000"/>
+                        </a:schemeClr>
+                      </a:solidFill>
+                      <a:prstDash val="solid"/>
+                      <a:round/>
+                      <a:headEnd type="none" w="med" len="med"/>
+                      <a:tailEnd type="none" w="med" len="med"/>
+                    </a:lnB>
+                    <a:solidFill>
+                      <a:schemeClr val="accent6">
+                        <a:lumMod val="20000"/>
+                        <a:lumOff val="80000"/>
+                      </a:schemeClr>
+                    </a:solidFill>
+                  </a:tcPr>
+                </a:tc>
+              </a:tr>
+              <a:tr h="729661">
+                <a:tc>
+                  <a:txBody>
+                    <a:bodyPr/>
+                    <a:lstStyle/>
+                    <a:p>
+                      <a:pPr marL="0" marR="0" lvl="1" indent="0" algn="l" defTabSz="914400" rtl="0" eaLnBrk="1" fontAlgn="auto" latinLnBrk="0" hangingPunct="1">
+                        <a:lnSpc>
+                          <a:spcPct val="100000"/>
+                        </a:lnSpc>
+                        <a:spcBef>
+                          <a:spcPts val="0"/>
+                        </a:spcBef>
+                        <a:spcAft>
+                          <a:spcPts val="0"/>
+                        </a:spcAft>
+                        <a:buClrTx/>
+                        <a:buSzTx/>
+                        <a:buFontTx/>
+                        <a:buNone/>
+                        <a:tabLst/>
+                        <a:defRPr/>
+                      </a:pPr>
+                      <a:r>
+                        <a:rPr lang="en-US" sz="1400" b="1" dirty="0" smtClean="0">
+                          <a:sym typeface="Wingdings" pitchFamily="2" charset="2"/>
+                        </a:rPr>
+                        <a:t>SOAP Envelope</a:t>
+                      </a:r>
+                      <a:r>
+                        <a:rPr lang="en-US" sz="1400" b="1" baseline="0" dirty="0" smtClean="0">
+                          <a:sym typeface="Wingdings" pitchFamily="2" charset="2"/>
+                        </a:rPr>
+                        <a:t> Testing</a:t>
+                      </a:r>
+                      <a:endParaRPr lang="en-US" sz="1400" b="1" dirty="0" smtClean="0">
+                        <a:sym typeface="Wingdings" pitchFamily="2" charset="2"/>
+                      </a:endParaRPr>
+                    </a:p>
+                  </a:txBody>
+                  <a:tcPr marL="91446" marR="91446" marT="45706" marB="45706">
+                    <a:lnL w="28575" cap="flat" cmpd="sng" algn="ctr">
+                      <a:solidFill>
+                        <a:srgbClr val="7E0407"/>
+                      </a:solidFill>
+                      <a:prstDash val="solid"/>
+                      <a:round/>
+                      <a:headEnd type="none" w="med" len="med"/>
+                      <a:tailEnd type="none" w="med" len="med"/>
+                    </a:lnL>
+                    <a:lnR w="12700" cap="flat" cmpd="sng" algn="ctr">
+                      <a:solidFill>
+                        <a:schemeClr val="bg1">
+                          <a:lumMod val="65000"/>
+                        </a:schemeClr>
+                      </a:solidFill>
+                      <a:prstDash val="solid"/>
+                      <a:round/>
+                      <a:headEnd type="none" w="med" len="med"/>
+                      <a:tailEnd type="none" w="med" len="med"/>
+                    </a:lnR>
+                    <a:lnT w="12700" cap="flat" cmpd="sng" algn="ctr">
+                      <a:solidFill>
+                        <a:schemeClr val="bg1">
+                          <a:lumMod val="65000"/>
+                        </a:schemeClr>
+                      </a:solidFill>
+                      <a:prstDash val="solid"/>
+                      <a:round/>
+                      <a:headEnd type="none" w="med" len="med"/>
+                      <a:tailEnd type="none" w="med" len="med"/>
+                    </a:lnT>
+                    <a:lnB w="12700" cap="flat" cmpd="sng" algn="ctr">
+                      <a:solidFill>
+                        <a:schemeClr val="bg1">
+                          <a:lumMod val="65000"/>
+                        </a:schemeClr>
+                      </a:solidFill>
+                      <a:prstDash val="solid"/>
+                      <a:round/>
+                      <a:headEnd type="none" w="med" len="med"/>
+                      <a:tailEnd type="none" w="med" len="med"/>
+                    </a:lnB>
+                    <a:solidFill>
+                      <a:schemeClr val="bg1"/>
+                    </a:solidFill>
+                  </a:tcPr>
+                </a:tc>
+                <a:tc>
+                  <a:txBody>
+                    <a:bodyPr/>
+                    <a:lstStyle/>
+                    <a:p>
+                      <a:pPr marL="0" lvl="1" algn="l">
+                        <a:defRPr/>
+                      </a:pPr>
+                      <a:r>
+                        <a:rPr lang="en-US" sz="1400" dirty="0" smtClean="0"/>
+                        <a:t>The SOAP Envelope Testing ensures SOAP envelopes are correctly formed, validating the conformance of </a:t>
+                      </a:r>
+                      <a:r>
+                        <a:rPr lang="en-US" sz="1400" baseline="0" dirty="0" smtClean="0"/>
+                        <a:t> the </a:t>
+                      </a:r>
+                      <a:r>
+                        <a:rPr lang="en-US" sz="1400" dirty="0" smtClean="0"/>
+                        <a:t>messages to the requirements in the SOAP and Transport</a:t>
+                      </a:r>
+                      <a:r>
+                        <a:rPr lang="en-US" sz="1400" baseline="0" dirty="0" smtClean="0"/>
+                        <a:t> specifications. </a:t>
+                      </a:r>
+                      <a:endParaRPr lang="en-US" sz="1400" b="0" dirty="0" smtClean="0"/>
+                    </a:p>
+                  </a:txBody>
+                  <a:tcPr marL="91446" marR="91446" marT="45706" marB="45706">
+                    <a:lnL w="12700" cap="flat" cmpd="sng" algn="ctr">
+                      <a:solidFill>
+                        <a:schemeClr val="bg1">
+                          <a:lumMod val="65000"/>
+                        </a:schemeClr>
+                      </a:solidFill>
+                      <a:prstDash val="solid"/>
+                      <a:round/>
+                      <a:headEnd type="none" w="med" len="med"/>
+                      <a:tailEnd type="none" w="med" len="med"/>
+                    </a:lnL>
+                    <a:lnR w="28575" cap="flat" cmpd="sng" algn="ctr">
+                      <a:solidFill>
+                        <a:srgbClr val="7E0407"/>
+                      </a:solidFill>
+                      <a:prstDash val="solid"/>
+                      <a:round/>
+                      <a:headEnd type="none" w="med" len="med"/>
+                      <a:tailEnd type="none" w="med" len="med"/>
+                    </a:lnR>
+                    <a:lnT w="12700" cap="flat" cmpd="sng" algn="ctr">
+                      <a:solidFill>
+                        <a:schemeClr val="bg1">
+                          <a:lumMod val="65000"/>
+                        </a:schemeClr>
+                      </a:solidFill>
+                      <a:prstDash val="solid"/>
+                      <a:round/>
+                      <a:headEnd type="none" w="med" len="med"/>
+                      <a:tailEnd type="none" w="med" len="med"/>
+                    </a:lnT>
+                    <a:lnB w="12700" cap="flat" cmpd="sng" algn="ctr">
+                      <a:solidFill>
+                        <a:schemeClr val="bg1">
+                          <a:lumMod val="65000"/>
+                        </a:schemeClr>
+                      </a:solidFill>
+                      <a:prstDash val="solid"/>
+                      <a:round/>
+                      <a:headEnd type="none" w="med" len="med"/>
+                      <a:tailEnd type="none" w="med" len="med"/>
+                    </a:lnB>
+                    <a:solidFill>
+                      <a:schemeClr val="bg1"/>
+                    </a:solidFill>
+                  </a:tcPr>
+                </a:tc>
+              </a:tr>
+              <a:tr h="729661">
+                <a:tc>
+                  <a:txBody>
+                    <a:bodyPr/>
+                    <a:lstStyle/>
+                    <a:p>
+                      <a:pPr marL="0" marR="0" lvl="1" indent="0" algn="l" defTabSz="914400" rtl="0" eaLnBrk="1" fontAlgn="auto" latinLnBrk="0" hangingPunct="1">
+                        <a:lnSpc>
+                          <a:spcPct val="100000"/>
+                        </a:lnSpc>
+                        <a:spcBef>
+                          <a:spcPts val="0"/>
+                        </a:spcBef>
+                        <a:spcAft>
+                          <a:spcPts val="0"/>
+                        </a:spcAft>
+                        <a:buClrTx/>
+                        <a:buSzTx/>
+                        <a:buFontTx/>
+                        <a:buNone/>
+                        <a:tabLst/>
+                        <a:defRPr/>
+                      </a:pPr>
+                      <a:r>
+                        <a:rPr lang="en-US" sz="1400" b="1" dirty="0" smtClean="0">
+                          <a:sym typeface="Wingdings" pitchFamily="2" charset="2"/>
+                        </a:rPr>
+                        <a:t>SOAP Connectivity </a:t>
+                      </a:r>
+                      <a:r>
+                        <a:rPr lang="en-US" sz="1400" b="1" baseline="0" dirty="0" smtClean="0">
+                          <a:sym typeface="Wingdings" pitchFamily="2" charset="2"/>
+                        </a:rPr>
+                        <a:t>Testing</a:t>
+                      </a:r>
+                      <a:endParaRPr lang="en-US" sz="1400" b="1" dirty="0" smtClean="0"/>
+                    </a:p>
+                  </a:txBody>
+                  <a:tcPr marL="91446" marR="91446" marT="45706" marB="45706">
+                    <a:lnL w="28575" cap="flat" cmpd="sng" algn="ctr">
+                      <a:solidFill>
+                        <a:srgbClr val="7E0407"/>
+                      </a:solidFill>
+                      <a:prstDash val="solid"/>
+                      <a:round/>
+                      <a:headEnd type="none" w="med" len="med"/>
+                      <a:tailEnd type="none" w="med" len="med"/>
+                    </a:lnL>
+                    <a:lnR w="12700" cap="flat" cmpd="sng" algn="ctr">
+                      <a:solidFill>
+                        <a:schemeClr val="bg1">
+                          <a:lumMod val="65000"/>
+                        </a:schemeClr>
+                      </a:solidFill>
+                      <a:prstDash val="solid"/>
+                      <a:round/>
+                      <a:headEnd type="none" w="med" len="med"/>
+                      <a:tailEnd type="none" w="med" len="med"/>
+                    </a:lnR>
+                    <a:lnT w="12700" cap="flat" cmpd="sng" algn="ctr">
+                      <a:solidFill>
+                        <a:schemeClr val="bg1">
+                          <a:lumMod val="65000"/>
+                        </a:schemeClr>
+                      </a:solidFill>
+                      <a:prstDash val="solid"/>
+                      <a:round/>
+                      <a:headEnd type="none" w="med" len="med"/>
+                      <a:tailEnd type="none" w="med" len="med"/>
+                    </a:lnT>
+                    <a:lnB w="12700" cap="flat" cmpd="sng" algn="ctr">
+                      <a:solidFill>
+                        <a:schemeClr val="bg1">
+                          <a:lumMod val="65000"/>
+                        </a:schemeClr>
+                      </a:solidFill>
+                      <a:prstDash val="solid"/>
+                      <a:round/>
+                      <a:headEnd type="none" w="med" len="med"/>
+                      <a:tailEnd type="none" w="med" len="med"/>
+                    </a:lnB>
+                    <a:solidFill>
+                      <a:schemeClr val="bg1">
+                        <a:lumMod val="95000"/>
+                      </a:schemeClr>
+                    </a:solidFill>
+                  </a:tcPr>
+                </a:tc>
+                <a:tc>
+                  <a:txBody>
+                    <a:bodyPr/>
+                    <a:lstStyle/>
+                    <a:p>
+                      <a:pPr marL="0" marR="0" lvl="1" indent="0" algn="l" defTabSz="914400" rtl="0" eaLnBrk="1" fontAlgn="auto" latinLnBrk="0" hangingPunct="1">
+                        <a:lnSpc>
+                          <a:spcPct val="100000"/>
+                        </a:lnSpc>
+                        <a:spcBef>
+                          <a:spcPts val="0"/>
+                        </a:spcBef>
+                        <a:spcAft>
+                          <a:spcPts val="0"/>
+                        </a:spcAft>
+                        <a:buClrTx/>
+                        <a:buSzTx/>
+                        <a:buFontTx/>
+                        <a:buNone/>
+                        <a:tabLst/>
+                        <a:defRPr/>
+                      </a:pPr>
+                      <a:r>
+                        <a:rPr lang="en-US" sz="1400" dirty="0" smtClean="0"/>
+                        <a:t>The SOAP Connectivity Testing evaluates valid SOAP connectivity, the ability to send and receive SOAP messages,</a:t>
+                      </a:r>
+                      <a:r>
+                        <a:rPr lang="en-US" sz="1400" baseline="0" dirty="0" smtClean="0"/>
+                        <a:t> </a:t>
+                      </a:r>
+                      <a:r>
+                        <a:rPr lang="en-US" sz="1400" dirty="0" smtClean="0"/>
+                        <a:t>validating the conformance of </a:t>
+                      </a:r>
+                      <a:r>
+                        <a:rPr lang="en-US" sz="1400" baseline="0" dirty="0" smtClean="0"/>
+                        <a:t> the </a:t>
+                      </a:r>
+                      <a:r>
+                        <a:rPr lang="en-US" sz="1400" dirty="0" smtClean="0"/>
+                        <a:t>messages to the requirements in the SOAP and Transport</a:t>
+                      </a:r>
+                      <a:r>
+                        <a:rPr lang="en-US" sz="1400" baseline="0" dirty="0" smtClean="0"/>
+                        <a:t> specifications. </a:t>
+                      </a:r>
+                      <a:endParaRPr lang="en-US" sz="1400" b="0" dirty="0" smtClean="0"/>
+                    </a:p>
+                  </a:txBody>
+                  <a:tcPr marL="91446" marR="91446" marT="45706" marB="45706">
+                    <a:lnL w="12700" cap="flat" cmpd="sng" algn="ctr">
+                      <a:solidFill>
+                        <a:schemeClr val="bg1">
+                          <a:lumMod val="65000"/>
+                        </a:schemeClr>
+                      </a:solidFill>
+                      <a:prstDash val="solid"/>
+                      <a:round/>
+                      <a:headEnd type="none" w="med" len="med"/>
+                      <a:tailEnd type="none" w="med" len="med"/>
+                    </a:lnL>
+                    <a:lnR w="28575" cap="flat" cmpd="sng" algn="ctr">
+                      <a:solidFill>
+                        <a:srgbClr val="7E0407"/>
+                      </a:solidFill>
+                      <a:prstDash val="solid"/>
+                      <a:round/>
+                      <a:headEnd type="none" w="med" len="med"/>
+                      <a:tailEnd type="none" w="med" len="med"/>
+                    </a:lnR>
+                    <a:lnT w="12700" cap="flat" cmpd="sng" algn="ctr">
+                      <a:solidFill>
+                        <a:schemeClr val="bg1">
+                          <a:lumMod val="65000"/>
+                        </a:schemeClr>
+                      </a:solidFill>
+                      <a:prstDash val="solid"/>
+                      <a:round/>
+                      <a:headEnd type="none" w="med" len="med"/>
+                      <a:tailEnd type="none" w="med" len="med"/>
+                    </a:lnT>
+                    <a:lnB w="12700" cap="flat" cmpd="sng" algn="ctr">
+                      <a:solidFill>
+                        <a:schemeClr val="bg1">
+                          <a:lumMod val="65000"/>
+                        </a:schemeClr>
+                      </a:solidFill>
+                      <a:prstDash val="solid"/>
+                      <a:round/>
+                      <a:headEnd type="none" w="med" len="med"/>
+                      <a:tailEnd type="none" w="med" len="med"/>
+                    </a:lnB>
+                    <a:solidFill>
+                      <a:schemeClr val="bg1">
+                        <a:lumMod val="95000"/>
+                      </a:schemeClr>
+                    </a:solidFill>
+                  </a:tcPr>
+                </a:tc>
+              </a:tr>
+              <a:tr h="729721">
+                <a:tc>
+                  <a:txBody>
+                    <a:bodyPr/>
+                    <a:lstStyle/>
+                    <a:p>
+                      <a:pPr marL="0" marR="0" lvl="1" indent="0" algn="l" defTabSz="914400" rtl="0" eaLnBrk="1" fontAlgn="auto" latinLnBrk="0" hangingPunct="1">
+                        <a:lnSpc>
+                          <a:spcPct val="100000"/>
+                        </a:lnSpc>
+                        <a:spcBef>
+                          <a:spcPts val="0"/>
+                        </a:spcBef>
+                        <a:spcAft>
+                          <a:spcPts val="0"/>
+                        </a:spcAft>
+                        <a:buClrTx/>
+                        <a:buSzTx/>
+                        <a:buFontTx/>
+                        <a:buNone/>
+                        <a:tabLst/>
+                        <a:defRPr/>
+                      </a:pPr>
+                      <a:r>
+                        <a:rPr lang="en-US" sz="1400" b="1" dirty="0" smtClean="0"/>
+                        <a:t>Context-Free Testing</a:t>
+                      </a:r>
+                      <a:r>
+                        <a:rPr lang="en-US" sz="1400" b="1" baseline="0" dirty="0" smtClean="0"/>
+                        <a:t> </a:t>
+                      </a:r>
+                      <a:endParaRPr lang="en-US" sz="1400" b="1" dirty="0" smtClean="0"/>
+                    </a:p>
+                  </a:txBody>
+                  <a:tcPr marL="91446" marR="91446" marT="45706" marB="45706">
+                    <a:lnL w="28575" cap="flat" cmpd="sng" algn="ctr">
+                      <a:solidFill>
+                        <a:srgbClr val="7E0407"/>
+                      </a:solidFill>
+                      <a:prstDash val="solid"/>
+                      <a:round/>
+                      <a:headEnd type="none" w="med" len="med"/>
+                      <a:tailEnd type="none" w="med" len="med"/>
+                    </a:lnL>
+                    <a:lnR w="12700" cap="flat" cmpd="sng" algn="ctr">
+                      <a:solidFill>
+                        <a:schemeClr val="bg1">
+                          <a:lumMod val="65000"/>
+                        </a:schemeClr>
+                      </a:solidFill>
+                      <a:prstDash val="solid"/>
+                      <a:round/>
+                      <a:headEnd type="none" w="med" len="med"/>
+                      <a:tailEnd type="none" w="med" len="med"/>
+                    </a:lnR>
+                    <a:lnT w="12700" cap="flat" cmpd="sng" algn="ctr">
+                      <a:solidFill>
+                        <a:schemeClr val="bg1">
+                          <a:lumMod val="65000"/>
+                        </a:schemeClr>
+                      </a:solidFill>
+                      <a:prstDash val="solid"/>
+                      <a:round/>
+                      <a:headEnd type="none" w="med" len="med"/>
+                      <a:tailEnd type="none" w="med" len="med"/>
+                    </a:lnT>
+                    <a:lnB w="12700" cap="flat" cmpd="sng" algn="ctr">
+                      <a:solidFill>
+                        <a:schemeClr val="bg1">
+                          <a:lumMod val="65000"/>
+                        </a:schemeClr>
+                      </a:solidFill>
+                      <a:prstDash val="solid"/>
+                      <a:round/>
+                      <a:headEnd type="none" w="med" len="med"/>
+                      <a:tailEnd type="none" w="med" len="med"/>
+                    </a:lnB>
+                    <a:solidFill>
+                      <a:schemeClr val="bg1"/>
+                    </a:solidFill>
+                  </a:tcPr>
+                </a:tc>
+                <a:tc>
+                  <a:txBody>
+                    <a:bodyPr/>
+                    <a:lstStyle/>
+                    <a:p>
+                      <a:pPr marL="0" marR="0" lvl="1" indent="0" algn="l" defTabSz="914400" rtl="0" eaLnBrk="1" fontAlgn="auto" latinLnBrk="0" hangingPunct="1">
+                        <a:lnSpc>
+                          <a:spcPct val="100000"/>
+                        </a:lnSpc>
+                        <a:spcBef>
+                          <a:spcPts val="0"/>
+                        </a:spcBef>
+                        <a:spcAft>
+                          <a:spcPts val="0"/>
+                        </a:spcAft>
+                        <a:buClrTx/>
+                        <a:buSzTx/>
+                        <a:buFontTx/>
+                        <a:buNone/>
+                        <a:tabLst/>
+                        <a:defRPr/>
+                      </a:pPr>
+                      <a:r>
+                        <a:rPr lang="en-US" sz="1400" b="0" dirty="0" smtClean="0"/>
+                        <a:t>Provides a simple and convenient method for testing immunization messages structure and most vocabulary. Validation is perform on messages with or without a SOAP wrapper.</a:t>
+                      </a:r>
+                    </a:p>
+                  </a:txBody>
+                  <a:tcPr marL="91446" marR="91446" marT="45736" marB="45736">
+                    <a:lnL w="12700" cap="flat" cmpd="sng" algn="ctr">
+                      <a:solidFill>
+                        <a:schemeClr val="bg1">
+                          <a:lumMod val="65000"/>
+                        </a:schemeClr>
+                      </a:solidFill>
+                      <a:prstDash val="solid"/>
+                      <a:round/>
+                      <a:headEnd type="none" w="med" len="med"/>
+                      <a:tailEnd type="none" w="med" len="med"/>
+                    </a:lnL>
+                    <a:lnR w="28575" cap="flat" cmpd="sng" algn="ctr">
+                      <a:solidFill>
+                        <a:srgbClr val="7E0407"/>
+                      </a:solidFill>
+                      <a:prstDash val="solid"/>
+                      <a:round/>
+                      <a:headEnd type="none" w="med" len="med"/>
+                      <a:tailEnd type="none" w="med" len="med"/>
+                    </a:lnR>
+                    <a:lnT w="12700" cap="flat" cmpd="sng" algn="ctr">
+                      <a:solidFill>
+                        <a:schemeClr val="bg1">
+                          <a:lumMod val="65000"/>
+                        </a:schemeClr>
+                      </a:solidFill>
+                      <a:prstDash val="solid"/>
+                      <a:round/>
+                      <a:headEnd type="none" w="med" len="med"/>
+                      <a:tailEnd type="none" w="med" len="med"/>
+                    </a:lnT>
+                    <a:lnB w="12700" cap="flat" cmpd="sng" algn="ctr">
+                      <a:solidFill>
+                        <a:schemeClr val="bg1">
+                          <a:lumMod val="65000"/>
+                        </a:schemeClr>
+                      </a:solidFill>
+                      <a:prstDash val="solid"/>
+                      <a:round/>
+                      <a:headEnd type="none" w="med" len="med"/>
+                      <a:tailEnd type="none" w="med" len="med"/>
+                    </a:lnB>
+                    <a:solidFill>
+                      <a:schemeClr val="bg1"/>
+                    </a:solidFill>
+                  </a:tcPr>
+                </a:tc>
+              </a:tr>
+              <a:tr h="942547">
+                <a:tc>
+                  <a:txBody>
+                    <a:bodyPr/>
+                    <a:lstStyle/>
+                    <a:p>
+                      <a:pPr marL="0" marR="0" lvl="1" indent="0" algn="l" defTabSz="914400" rtl="0" eaLnBrk="1" fontAlgn="auto" latinLnBrk="0" hangingPunct="1">
+                        <a:lnSpc>
+                          <a:spcPct val="100000"/>
+                        </a:lnSpc>
+                        <a:spcBef>
+                          <a:spcPts val="0"/>
+                        </a:spcBef>
+                        <a:spcAft>
+                          <a:spcPts val="0"/>
+                        </a:spcAft>
+                        <a:buClrTx/>
+                        <a:buSzTx/>
+                        <a:buFontTx/>
+                        <a:buNone/>
+                        <a:tabLst/>
+                        <a:defRPr/>
+                      </a:pPr>
+                      <a:r>
+                        <a:rPr lang="en-US" sz="1400" b="1" dirty="0" smtClean="0"/>
+                        <a:t>Context-Based Testing</a:t>
+                      </a:r>
+                    </a:p>
+                  </a:txBody>
+                  <a:tcPr marL="91446" marR="91446" marT="45706" marB="45706">
+                    <a:lnL w="28575" cap="flat" cmpd="sng" algn="ctr">
+                      <a:solidFill>
+                        <a:srgbClr val="7E0407"/>
+                      </a:solidFill>
+                      <a:prstDash val="solid"/>
+                      <a:round/>
+                      <a:headEnd type="none" w="med" len="med"/>
+                      <a:tailEnd type="none" w="med" len="med"/>
+                    </a:lnL>
+                    <a:lnR w="12700" cap="flat" cmpd="sng" algn="ctr">
+                      <a:solidFill>
+                        <a:schemeClr val="bg1">
+                          <a:lumMod val="65000"/>
+                        </a:schemeClr>
+                      </a:solidFill>
+                      <a:prstDash val="solid"/>
+                      <a:round/>
+                      <a:headEnd type="none" w="med" len="med"/>
+                      <a:tailEnd type="none" w="med" len="med"/>
+                    </a:lnR>
+                    <a:lnT w="12700" cap="flat" cmpd="sng" algn="ctr">
+                      <a:solidFill>
+                        <a:schemeClr val="bg1">
+                          <a:lumMod val="65000"/>
+                        </a:schemeClr>
+                      </a:solidFill>
+                      <a:prstDash val="solid"/>
+                      <a:round/>
+                      <a:headEnd type="none" w="med" len="med"/>
+                      <a:tailEnd type="none" w="med" len="med"/>
+                    </a:lnT>
+                    <a:lnB w="12700" cap="flat" cmpd="sng" algn="ctr">
+                      <a:solidFill>
+                        <a:schemeClr val="bg1">
+                          <a:lumMod val="65000"/>
+                        </a:schemeClr>
+                      </a:solidFill>
+                      <a:prstDash val="solid"/>
+                      <a:round/>
+                      <a:headEnd type="none" w="med" len="med"/>
+                      <a:tailEnd type="none" w="med" len="med"/>
+                    </a:lnB>
+                    <a:solidFill>
+                      <a:schemeClr val="bg1">
+                        <a:lumMod val="95000"/>
+                      </a:schemeClr>
+                    </a:solidFill>
+                  </a:tcPr>
+                </a:tc>
+                <a:tc>
+                  <a:txBody>
+                    <a:bodyPr/>
+                    <a:lstStyle/>
+                    <a:p>
+                      <a:pPr marL="0" marR="0" lvl="1" indent="0" algn="l" defTabSz="914400" rtl="0" eaLnBrk="1" fontAlgn="auto" latinLnBrk="0" hangingPunct="1">
+                        <a:lnSpc>
+                          <a:spcPct val="100000"/>
+                        </a:lnSpc>
+                        <a:spcBef>
+                          <a:spcPts val="0"/>
+                        </a:spcBef>
+                        <a:spcAft>
+                          <a:spcPts val="0"/>
+                        </a:spcAft>
+                        <a:buClrTx/>
+                        <a:buSzTx/>
+                        <a:buFontTx/>
+                        <a:buNone/>
+                        <a:tabLst/>
+                        <a:defRPr/>
+                      </a:pPr>
+                      <a:r>
+                        <a:rPr lang="en-US" sz="1400" b="0" dirty="0" smtClean="0"/>
+                        <a:t>Context-based testing provides, in addition to HL7 Context-free validation, message validation associated with a given test script that includes data for a specific test scenario where the context  is known by the validation tool. It also validate messages with a SOAP wrapper.</a:t>
+                      </a:r>
+                    </a:p>
+                  </a:txBody>
+                  <a:tcPr marL="91446" marR="91446" marT="45736" marB="45736">
+                    <a:lnL w="12700" cap="flat" cmpd="sng" algn="ctr">
+                      <a:solidFill>
+                        <a:schemeClr val="bg1">
+                          <a:lumMod val="65000"/>
+                        </a:schemeClr>
+                      </a:solidFill>
+                      <a:prstDash val="solid"/>
+                      <a:round/>
+                      <a:headEnd type="none" w="med" len="med"/>
+                      <a:tailEnd type="none" w="med" len="med"/>
+                    </a:lnL>
+                    <a:lnR w="28575" cap="flat" cmpd="sng" algn="ctr">
+                      <a:solidFill>
+                        <a:srgbClr val="7E0407"/>
+                      </a:solidFill>
+                      <a:prstDash val="solid"/>
+                      <a:round/>
+                      <a:headEnd type="none" w="med" len="med"/>
+                      <a:tailEnd type="none" w="med" len="med"/>
+                    </a:lnR>
+                    <a:lnT w="12700" cap="flat" cmpd="sng" algn="ctr">
+                      <a:solidFill>
+                        <a:schemeClr val="bg1">
+                          <a:lumMod val="65000"/>
+                        </a:schemeClr>
+                      </a:solidFill>
+                      <a:prstDash val="solid"/>
+                      <a:round/>
+                      <a:headEnd type="none" w="med" len="med"/>
+                      <a:tailEnd type="none" w="med" len="med"/>
+                    </a:lnT>
+                    <a:lnB w="12700" cap="flat" cmpd="sng" algn="ctr">
+                      <a:solidFill>
+                        <a:schemeClr val="bg1">
+                          <a:lumMod val="65000"/>
+                        </a:schemeClr>
+                      </a:solidFill>
+                      <a:prstDash val="solid"/>
+                      <a:round/>
+                      <a:headEnd type="none" w="med" len="med"/>
+                      <a:tailEnd type="none" w="med" len="med"/>
+                    </a:lnB>
+                    <a:noFill/>
+                  </a:tcPr>
+                </a:tc>
+              </a:tr>
+              <a:tr h="729661">
+                <a:tc>
+                  <a:txBody>
+                    <a:bodyPr/>
+                    <a:lstStyle/>
+                    <a:p>
+                      <a:pPr marL="0" marR="0" lvl="1" indent="0" algn="l" defTabSz="914400" rtl="0" eaLnBrk="1" fontAlgn="auto" latinLnBrk="0" hangingPunct="1">
+                        <a:lnSpc>
+                          <a:spcPct val="100000"/>
+                        </a:lnSpc>
+                        <a:spcBef>
+                          <a:spcPts val="0"/>
+                        </a:spcBef>
+                        <a:spcAft>
+                          <a:spcPts val="0"/>
+                        </a:spcAft>
+                        <a:buClrTx/>
+                        <a:buSzTx/>
+                        <a:buFontTx/>
+                        <a:buNone/>
+                        <a:tabLst/>
+                        <a:defRPr/>
+                      </a:pPr>
+                      <a:r>
+                        <a:rPr lang="en-US" sz="1400" b="1" dirty="0" smtClean="0"/>
+                        <a:t>Isolated Testing </a:t>
+                      </a:r>
+                    </a:p>
+                  </a:txBody>
+                  <a:tcPr marL="91446" marR="91446" marT="45706" marB="45706">
+                    <a:lnL w="28575" cap="flat" cmpd="sng" algn="ctr">
+                      <a:solidFill>
+                        <a:srgbClr val="7E0407"/>
+                      </a:solidFill>
+                      <a:prstDash val="solid"/>
+                      <a:round/>
+                      <a:headEnd type="none" w="med" len="med"/>
+                      <a:tailEnd type="none" w="med" len="med"/>
+                    </a:lnL>
+                    <a:lnR w="12700" cap="flat" cmpd="sng" algn="ctr">
+                      <a:solidFill>
+                        <a:schemeClr val="bg1">
+                          <a:lumMod val="65000"/>
+                        </a:schemeClr>
+                      </a:solidFill>
+                      <a:prstDash val="solid"/>
+                      <a:round/>
+                      <a:headEnd type="none" w="med" len="med"/>
+                      <a:tailEnd type="none" w="med" len="med"/>
+                    </a:lnR>
+                    <a:lnT w="12700" cap="flat" cmpd="sng" algn="ctr">
+                      <a:solidFill>
+                        <a:schemeClr val="bg1">
+                          <a:lumMod val="65000"/>
+                        </a:schemeClr>
+                      </a:solidFill>
+                      <a:prstDash val="solid"/>
+                      <a:round/>
+                      <a:headEnd type="none" w="med" len="med"/>
+                      <a:tailEnd type="none" w="med" len="med"/>
+                    </a:lnT>
+                    <a:lnB w="28575" cap="flat" cmpd="sng" algn="ctr">
+                      <a:solidFill>
+                        <a:srgbClr val="7E0407"/>
+                      </a:solidFill>
+                      <a:prstDash val="solid"/>
+                      <a:round/>
+                      <a:headEnd type="none" w="med" len="med"/>
+                      <a:tailEnd type="none" w="med" len="med"/>
+                    </a:lnB>
+                    <a:solidFill>
+                      <a:schemeClr val="bg1"/>
+                    </a:solidFill>
+                  </a:tcPr>
+                </a:tc>
+                <a:tc>
+                  <a:txBody>
+                    <a:bodyPr/>
+                    <a:lstStyle/>
+                    <a:p>
+                      <a:pPr marL="0" marR="0" lvl="1" indent="0" algn="l" defTabSz="914400" rtl="0" eaLnBrk="1" fontAlgn="auto" latinLnBrk="0" hangingPunct="1">
+                        <a:lnSpc>
+                          <a:spcPct val="100000"/>
+                        </a:lnSpc>
+                        <a:spcBef>
+                          <a:spcPts val="0"/>
+                        </a:spcBef>
+                        <a:spcAft>
+                          <a:spcPts val="0"/>
+                        </a:spcAft>
+                        <a:buClrTx/>
+                        <a:buSzTx/>
+                        <a:buFontTx/>
+                        <a:buNone/>
+                        <a:tabLst/>
+                        <a:defRPr/>
+                      </a:pPr>
+                      <a:r>
+                        <a:rPr lang="en-US" altLang="en-US" sz="1400" b="0" dirty="0" smtClean="0"/>
+                        <a:t>Isolated testing provides a simulated operational environment that allows validation at the functional level in addition to content and context-free testing, where Test Agents simulates the functions of IZ EHR-S or IIS. </a:t>
+                      </a:r>
+                    </a:p>
+                  </a:txBody>
+                  <a:tcPr marL="91446" marR="91446" marT="45706" marB="45706">
+                    <a:lnL w="12700" cap="flat" cmpd="sng" algn="ctr">
+                      <a:solidFill>
+                        <a:schemeClr val="bg1">
+                          <a:lumMod val="65000"/>
+                        </a:schemeClr>
+                      </a:solidFill>
+                      <a:prstDash val="solid"/>
+                      <a:round/>
+                      <a:headEnd type="none" w="med" len="med"/>
+                      <a:tailEnd type="none" w="med" len="med"/>
+                    </a:lnL>
+                    <a:lnR w="28575" cap="flat" cmpd="sng" algn="ctr">
+                      <a:solidFill>
+                        <a:srgbClr val="7E0407"/>
+                      </a:solidFill>
+                      <a:prstDash val="solid"/>
+                      <a:round/>
+                      <a:headEnd type="none" w="med" len="med"/>
+                      <a:tailEnd type="none" w="med" len="med"/>
+                    </a:lnR>
+                    <a:lnT w="12700" cap="flat" cmpd="sng" algn="ctr">
+                      <a:solidFill>
+                        <a:schemeClr val="bg1">
+                          <a:lumMod val="65000"/>
+                        </a:schemeClr>
+                      </a:solidFill>
+                      <a:prstDash val="solid"/>
+                      <a:round/>
+                      <a:headEnd type="none" w="med" len="med"/>
+                      <a:tailEnd type="none" w="med" len="med"/>
+                    </a:lnT>
+                    <a:lnB w="28575" cap="flat" cmpd="sng" algn="ctr">
+                      <a:solidFill>
+                        <a:srgbClr val="7E0407"/>
+                      </a:solidFill>
+                      <a:prstDash val="solid"/>
+                      <a:round/>
+                      <a:headEnd type="none" w="med" len="med"/>
+                      <a:tailEnd type="none" w="med" len="med"/>
+                    </a:lnB>
+                    <a:solidFill>
+                      <a:schemeClr val="bg1"/>
+                    </a:solidFill>
+                  </a:tcPr>
+                </a:tc>
+              </a:tr>
+            </a:tbl>
+          </a:graphicData>
+        </a:graphic>
+      </p:graphicFrame>
+      <p:sp>
+        <p:nvSpPr>
+          <p:cNvPr id="5145" name="Rectangle 2"/>
+          <p:cNvSpPr txBox="1">
+            <a:spLocks noChangeArrowheads="1"/>
+          </p:cNvSpPr>
+          <p:nvPr/>
+        </p:nvSpPr>
+        <p:spPr bwMode="auto">
+          <a:xfrm>
+            <a:off x="276225" y="76200"/>
+            <a:ext cx="8562975" cy="523220"/>
+          </a:xfrm>
+          <a:prstGeom prst="rect">
+            <a:avLst/>
+          </a:prstGeom>
+          <a:noFill/>
+          <a:ln>
+            <a:noFill/>
+          </a:ln>
+          <a:effectLst/>
+          <a:extLst>
+            <a:ext uri="{909E8E84-426E-40DD-AFC4-6F175D3DCCD1}">
+              <a14:hiddenFill xmlns:a14="http://schemas.microsoft.com/office/drawing/2010/main">
+                <a:solidFill>
+                  <a:schemeClr val="accent1"/>
+                </a:solidFill>
+              </a14:hiddenFill>
+            </a:ext>
+            <a:ext uri="{91240B29-F687-4F45-9708-019B960494DF}">
+              <a14:hiddenLine xmlns:a14="http://schemas.microsoft.com/office/drawing/2010/main" w="9525" algn="ctr">
+                <a:solidFill>
+                  <a:schemeClr val="tx1"/>
+                </a:solidFill>
+                <a:miter lim="800000"/>
+                <a:headEnd/>
+                <a:tailEnd/>
+              </a14:hiddenLine>
+            </a:ext>
+            <a:ext uri="{AF507438-7753-43E0-B8FC-AC1667EBCBE1}">
+              <a14:hiddenEffects xmlns:a14="http://schemas.microsoft.com/office/drawing/2010/main">
+                <a:effectLst>
+                  <a:outerShdw dist="35921" dir="2700000" algn="ctr" rotWithShape="0">
+                    <a:schemeClr val="bg2"/>
+                  </a:outerShdw>
+                </a:effectLst>
+              </a14:hiddenEffects>
+            </a:ext>
+          </a:extLst>
+        </p:spPr>
+        <p:txBody>
+          <a:bodyPr>
+            <a:spAutoFit/>
+          </a:bodyPr>
+          <a:lstStyle>
+            <a:lvl1pPr eaLnBrk="0" hangingPunct="0">
+              <a:spcBef>
+                <a:spcPct val="20000"/>
+              </a:spcBef>
+              <a:buChar char="•"/>
+              <a:defRPr sz="2200">
+                <a:solidFill>
+                  <a:schemeClr val="tx1"/>
+                </a:solidFill>
+                <a:latin typeface="Arial" charset="0"/>
+              </a:defRPr>
+            </a:lvl1pPr>
+            <a:lvl2pPr marL="742950" indent="-285750" eaLnBrk="0" hangingPunct="0">
+              <a:spcBef>
+                <a:spcPct val="20000"/>
+              </a:spcBef>
+              <a:buChar char="–"/>
+              <a:defRPr>
+                <a:solidFill>
+                  <a:schemeClr val="tx1"/>
+                </a:solidFill>
+                <a:latin typeface="Arial" charset="0"/>
+              </a:defRPr>
+            </a:lvl2pPr>
+            <a:lvl3pPr marL="1143000" indent="-228600" eaLnBrk="0" hangingPunct="0">
+              <a:spcBef>
+                <a:spcPct val="20000"/>
+              </a:spcBef>
+              <a:buChar char="•"/>
+              <a:defRPr sz="1400">
+                <a:solidFill>
+                  <a:schemeClr val="tx1"/>
+                </a:solidFill>
+                <a:latin typeface="Arial" charset="0"/>
+              </a:defRPr>
+            </a:lvl3pPr>
+            <a:lvl4pPr marL="1600200" indent="-228600" eaLnBrk="0" hangingPunct="0">
+              <a:spcBef>
+                <a:spcPct val="20000"/>
+              </a:spcBef>
+              <a:buChar char="–"/>
+              <a:defRPr sz="1000">
+                <a:solidFill>
+                  <a:schemeClr val="tx1"/>
+                </a:solidFill>
+                <a:latin typeface="Arial" charset="0"/>
+              </a:defRPr>
+            </a:lvl4pPr>
+            <a:lvl5pPr marL="2057400" indent="-228600" eaLnBrk="0" hangingPunct="0">
+              <a:spcBef>
+                <a:spcPct val="20000"/>
+              </a:spcBef>
+              <a:buChar char="»"/>
+              <a:defRPr sz="1000">
+                <a:solidFill>
+                  <a:schemeClr val="tx1"/>
+                </a:solidFill>
+                <a:latin typeface="Arial" charset="0"/>
+              </a:defRPr>
+            </a:lvl5pPr>
+            <a:lvl6pPr marL="2514600" indent="-228600" eaLnBrk="0" fontAlgn="base" hangingPunct="0">
+              <a:spcBef>
+                <a:spcPct val="20000"/>
+              </a:spcBef>
+              <a:spcAft>
+                <a:spcPct val="0"/>
+              </a:spcAft>
+              <a:buChar char="»"/>
+              <a:defRPr sz="1000">
+                <a:solidFill>
+                  <a:schemeClr val="tx1"/>
+                </a:solidFill>
+                <a:latin typeface="Arial" charset="0"/>
+              </a:defRPr>
+            </a:lvl6pPr>
+            <a:lvl7pPr marL="2971800" indent="-228600" eaLnBrk="0" fontAlgn="base" hangingPunct="0">
+              <a:spcBef>
+                <a:spcPct val="20000"/>
+              </a:spcBef>
+              <a:spcAft>
+                <a:spcPct val="0"/>
+              </a:spcAft>
+              <a:buChar char="»"/>
+              <a:defRPr sz="1000">
+                <a:solidFill>
+                  <a:schemeClr val="tx1"/>
+                </a:solidFill>
+                <a:latin typeface="Arial" charset="0"/>
+              </a:defRPr>
+            </a:lvl7pPr>
+            <a:lvl8pPr marL="3429000" indent="-228600" eaLnBrk="0" fontAlgn="base" hangingPunct="0">
+              <a:spcBef>
+                <a:spcPct val="20000"/>
+              </a:spcBef>
+              <a:spcAft>
+                <a:spcPct val="0"/>
+              </a:spcAft>
+              <a:buChar char="»"/>
+              <a:defRPr sz="1000">
+                <a:solidFill>
+                  <a:schemeClr val="tx1"/>
+                </a:solidFill>
+                <a:latin typeface="Arial" charset="0"/>
+              </a:defRPr>
+            </a:lvl8pPr>
+            <a:lvl9pPr marL="3886200" indent="-228600" eaLnBrk="0" fontAlgn="base" hangingPunct="0">
+              <a:spcBef>
+                <a:spcPct val="20000"/>
+              </a:spcBef>
+              <a:spcAft>
+                <a:spcPct val="0"/>
+              </a:spcAft>
+              <a:buChar char="»"/>
+              <a:defRPr sz="1000">
+                <a:solidFill>
+                  <a:schemeClr val="tx1"/>
+                </a:solidFill>
+                <a:latin typeface="Arial" charset="0"/>
+              </a:defRPr>
+            </a:lvl9pPr>
+          </a:lstStyle>
+          <a:p>
+            <a:pPr eaLnBrk="1" hangingPunct="1">
+              <a:spcBef>
+                <a:spcPct val="0"/>
+              </a:spcBef>
+              <a:buFontTx/>
+              <a:buNone/>
+            </a:pPr>
+            <a:r>
+              <a:rPr lang="en-US" altLang="en-US" sz="2800" b="1" dirty="0">
+                <a:solidFill>
+                  <a:srgbClr val="012445"/>
+                </a:solidFill>
+                <a:latin typeface="Franklin Gothic Demi" pitchFamily="34" charset="0"/>
+              </a:rPr>
+              <a:t>Immunization </a:t>
+            </a:r>
+            <a:r>
+              <a:rPr lang="en-US" altLang="en-US" sz="2800" b="1" dirty="0" smtClean="0">
+                <a:solidFill>
+                  <a:srgbClr val="012445"/>
+                </a:solidFill>
+                <a:latin typeface="Franklin Gothic Demi" pitchFamily="34" charset="0"/>
+              </a:rPr>
+              <a:t>Test Suite Overview</a:t>
+            </a:r>
+            <a:endParaRPr lang="en-US" altLang="en-US" sz="2800" b="1" dirty="0">
+              <a:solidFill>
+                <a:srgbClr val="012445"/>
+              </a:solidFill>
+              <a:latin typeface="Franklin Gothic Demi" pitchFamily="34" charset="0"/>
+            </a:endParaRPr>
+          </a:p>
+        </p:txBody>
+      </p:sp>
+      <p:pic>
+        <p:nvPicPr>
+          <p:cNvPr id="1026" name="Picture 2"/>
+          <p:cNvPicPr>
+            <a:picLocks noChangeAspect="1" noChangeArrowheads="1"/>
+          </p:cNvPicPr>
+          <p:nvPr/>
+        </p:nvPicPr>
+        <p:blipFill>
+          <a:blip r:embed="rId2">
+            <a:extLst>
+              <a:ext uri="{28A0092B-C50C-407E-A947-70E740481C1C}">
+                <a14:useLocalDpi xmlns:a14="http://schemas.microsoft.com/office/drawing/2010/main" val="0"/>
+              </a:ext>
+            </a:extLst>
+          </a:blip>
+          <a:srcRect/>
+          <a:stretch>
+            <a:fillRect/>
+          </a:stretch>
+        </p:blipFill>
+        <p:spPr bwMode="auto">
+          <a:xfrm>
+            <a:off x="609600" y="838200"/>
+            <a:ext cx="7839075" cy="304800"/>
+          </a:xfrm>
+          <a:prstGeom prst="rect">
+            <a:avLst/>
+          </a:prstGeom>
+          <a:noFill/>
+          <a:ln>
+            <a:noFill/>
+          </a:ln>
+          <a:extLst>
+            <a:ext uri="{909E8E84-426E-40DD-AFC4-6F175D3DCCD1}">
+              <a14:hiddenFill xmlns:a14="http://schemas.microsoft.com/office/drawing/2010/main">
+                <a:solidFill>
+                  <a:schemeClr val="accent1"/>
+                </a:solidFill>
+              </a14:hiddenFill>
+            </a:ext>
+            <a:ext uri="{91240B29-F687-4F45-9708-019B960494DF}">
+              <a14:hiddenLine xmlns:a14="http://schemas.microsoft.com/office/drawing/2010/main" w="9525">
+                <a:solidFill>
+                  <a:schemeClr val="tx1"/>
+                </a:solidFill>
+                <a:miter lim="800000"/>
+                <a:headEnd/>
+                <a:tailEnd/>
+              </a14:hiddenLine>
+            </a:ext>
+          </a:extLst>
+        </p:spPr>
+      </p:pic>
+    </p:spTree>
+    <p:extLst>
+      <p:ext uri="{BB962C8B-B14F-4D97-AF65-F5344CB8AC3E}">
+        <p14:creationId xmlns:p14="http://schemas.microsoft.com/office/powerpoint/2010/main" val="2742732054"/>
+      </p:ext>
+    </p:extLst>
+  </p:cSld>
+  <p:clrMapOvr>
+    <a:masterClrMapping/>
+  </p:clrMapOvr>
+  <p:timing>
+    <p:tnLst>
+      <p:par>
+        <p:cTn id="1" dur="indefinite" restart="never" nodeType="tmRoot"/>
+      </p:par>
+    </p:tnLst>
+  </p:timing>
+</p:sld>
+</file>
+
+<file path=ppt/slides/slide12.xml><?xml version="1.0" encoding="utf-8"?>
 <p:sld xmlns:a="http://schemas.openxmlformats.org/drawingml/2006/main" xmlns:r="http://schemas.openxmlformats.org/officeDocument/2006/relationships" xmlns:p="http://schemas.openxmlformats.org/presentationml/2006/main">
   <p:cSld>
     <p:spTree>
@@ -7787,13 +9350,14 @@
           <a:p>
             <a:pPr marL="0" lvl="1"/>
             <a:r>
-              <a:rPr lang="en-US" sz="1200" dirty="0">
-                <a:solidFill>
-                  <a:srgbClr val="FF0000"/>
-                </a:solidFill>
-              </a:rPr>
-              <a:t>NOTE: The Test Tool (.war file) can also be downloaded and installed locally. See Documentation tab in Test Tool</a:t>
-            </a:r>
+              <a:rPr lang="en-US" sz="1200" dirty="0"/>
+              <a:t>NOTE: The Test Tool (.war file) can also be downloaded and installed locally. See Documentation tab in Test </a:t>
+            </a:r>
+            <a:r>
+              <a:rPr lang="en-US" sz="1200" dirty="0" smtClean="0"/>
+              <a:t>Suite</a:t>
+            </a:r>
+            <a:endParaRPr lang="en-US" sz="1200" dirty="0"/>
           </a:p>
           <a:p>
             <a:pPr marL="0" lvl="1"/>
@@ -8988,8 +10552,12 @@
               <a:t>:  </a:t>
             </a:r>
             <a:r>
+              <a:rPr lang="en-US" sz="1600" b="0" dirty="0" smtClean="0"/>
+              <a:t>These functions are used for validating immunization </a:t>
+            </a:r>
+            <a:r>
               <a:rPr lang="en-US" sz="1600" b="0" dirty="0"/>
-              <a:t>The tool validates Immunization messages created </a:t>
+              <a:t>messages created </a:t>
             </a:r>
             <a:r>
               <a:rPr lang="en-US" sz="1600" dirty="0" smtClean="0"/>
@@ -9061,7 +10629,7 @@
         <p:spPr bwMode="auto">
           <a:xfrm>
             <a:off x="276225" y="86380"/>
-            <a:ext cx="8562975" cy="523220"/>
+            <a:ext cx="8867775" cy="523220"/>
           </a:xfrm>
           <a:prstGeom prst="rect">
             <a:avLst/>
@@ -9101,7 +10669,7 @@
           </a:extLst>
         </p:spPr>
         <p:txBody>
-          <a:bodyPr>
+          <a:bodyPr wrap="square">
             <a:spAutoFit/>
           </a:bodyPr>
           <a:lstStyle>
@@ -9220,17 +10788,14 @@
                 </a:solidFill>
                 <a:latin typeface="Franklin Gothic Demi" pitchFamily="34" charset="0"/>
               </a:rPr>
-              <a:t>Messaging Test Tool </a:t>
-            </a:r>
-            <a:r>
-              <a:rPr lang="en-US" sz="2800" dirty="0">
-                <a:solidFill>
-                  <a:srgbClr val="012445"/>
-                </a:solidFill>
-                <a:latin typeface="Franklin Gothic Demi" pitchFamily="34" charset="0"/>
-              </a:rPr>
-              <a:t>Overview</a:t>
-            </a:r>
+              <a:t>Test Suite Functions for ONC Testing</a:t>
+            </a:r>
+            <a:endParaRPr lang="en-US" sz="2800" dirty="0">
+              <a:solidFill>
+                <a:srgbClr val="012445"/>
+              </a:solidFill>
+              <a:latin typeface="Franklin Gothic Demi" pitchFamily="34" charset="0"/>
+            </a:endParaRPr>
           </a:p>
         </p:txBody>
       </p:sp>
@@ -9387,81 +10952,12 @@
                 </a:solidFill>
               </a:rPr>
               <a:pPr algn="ctr"/>
-              <a:t>11</a:t>
+              <a:t>12</a:t>
             </a:fld>
             <a:endParaRPr lang="en-US" dirty="0">
               <a:solidFill>
                 <a:schemeClr val="bg1"/>
               </a:solidFill>
-            </a:endParaRPr>
-          </a:p>
-        </p:txBody>
-      </p:sp>
-      <p:sp>
-        <p:nvSpPr>
-          <p:cNvPr id="8" name="Rectangle 7"/>
-          <p:cNvSpPr/>
-          <p:nvPr/>
-        </p:nvSpPr>
-        <p:spPr>
-          <a:xfrm rot="20028447">
-            <a:off x="2867598" y="2653507"/>
-            <a:ext cx="2549096" cy="830997"/>
-          </a:xfrm>
-          <a:prstGeom prst="rect">
-            <a:avLst/>
-          </a:prstGeom>
-          <a:noFill/>
-        </p:spPr>
-        <p:txBody>
-          <a:bodyPr wrap="none" lIns="91440" tIns="45720" rIns="91440" bIns="45720">
-            <a:spAutoFit/>
-          </a:bodyPr>
-          <a:lstStyle/>
-          <a:p>
-            <a:pPr algn="ctr"/>
-            <a:r>
-              <a:rPr lang="en-US" sz="4800" b="1" dirty="0" smtClean="0">
-                <a:ln w="12700">
-                  <a:solidFill>
-                    <a:schemeClr val="tx2">
-                      <a:satMod val="155000"/>
-                    </a:schemeClr>
-                  </a:solidFill>
-                  <a:prstDash val="solid"/>
-                </a:ln>
-                <a:solidFill>
-                  <a:srgbClr val="FF0000"/>
-                </a:solidFill>
-                <a:effectLst>
-                  <a:outerShdw blurRad="41275" dist="20320" dir="1800000" algn="tl" rotWithShape="0">
-                    <a:srgbClr val="000000">
-                      <a:alpha val="40000"/>
-                    </a:srgbClr>
-                  </a:outerShdw>
-                </a:effectLst>
-              </a:rPr>
-              <a:t>Replace</a:t>
-            </a:r>
-            <a:endParaRPr lang="en-US" sz="4800" b="1" cap="none" spc="0" dirty="0">
-              <a:ln w="12700">
-                <a:solidFill>
-                  <a:schemeClr val="tx2">
-                    <a:satMod val="155000"/>
-                  </a:schemeClr>
-                </a:solidFill>
-                <a:prstDash val="solid"/>
-              </a:ln>
-              <a:solidFill>
-                <a:srgbClr val="FF0000"/>
-              </a:solidFill>
-              <a:effectLst>
-                <a:outerShdw blurRad="41275" dist="20320" dir="1800000" algn="tl" rotWithShape="0">
-                  <a:srgbClr val="000000">
-                    <a:alpha val="40000"/>
-                  </a:srgbClr>
-                </a:outerShdw>
-              </a:effectLst>
             </a:endParaRPr>
           </a:p>
         </p:txBody>
@@ -9486,7 +10982,7 @@
 </p:sld>
 </file>
 
-<file path=ppt/slides/slide12.xml><?xml version="1.0" encoding="utf-8"?>
+<file path=ppt/slides/slide13.xml><?xml version="1.0" encoding="utf-8"?>
 <p:sld xmlns:a="http://schemas.openxmlformats.org/drawingml/2006/main" xmlns:r="http://schemas.openxmlformats.org/officeDocument/2006/relationships" xmlns:p="http://schemas.openxmlformats.org/presentationml/2006/main">
   <p:cSld>
     <p:spTree>
@@ -9578,7 +11074,7 @@
               <a:pPr>
                 <a:defRPr/>
               </a:pPr>
-              <a:t>12</a:t>
+              <a:t>13</a:t>
             </a:fld>
             <a:endParaRPr lang="en-US"/>
           </a:p>
@@ -9650,224 +11146,6 @@
     <p:extLst>
       <p:ext uri="{BB962C8B-B14F-4D97-AF65-F5344CB8AC3E}">
         <p14:creationId xmlns:p14="http://schemas.microsoft.com/office/powerpoint/2010/main" val="914542334"/>
-      </p:ext>
-    </p:extLst>
-  </p:cSld>
-  <p:clrMapOvr>
-    <a:masterClrMapping/>
-  </p:clrMapOvr>
-  <p:timing>
-    <p:tnLst>
-      <p:par>
-        <p:cTn id="1" dur="indefinite" restart="never" nodeType="tmRoot"/>
-      </p:par>
-    </p:tnLst>
-  </p:timing>
-</p:sld>
-</file>
-
-<file path=ppt/slides/slide13.xml><?xml version="1.0" encoding="utf-8"?>
-<p:sld xmlns:a="http://schemas.openxmlformats.org/drawingml/2006/main" xmlns:r="http://schemas.openxmlformats.org/officeDocument/2006/relationships" xmlns:p="http://schemas.openxmlformats.org/presentationml/2006/main">
-  <p:cSld>
-    <p:spTree>
-      <p:nvGrpSpPr>
-        <p:cNvPr id="1" name=""/>
-        <p:cNvGrpSpPr/>
-        <p:nvPr/>
-      </p:nvGrpSpPr>
-      <p:grpSpPr>
-        <a:xfrm>
-          <a:off x="0" y="0"/>
-          <a:ext cx="0" cy="0"/>
-          <a:chOff x="0" y="0"/>
-          <a:chExt cx="0" cy="0"/>
-        </a:xfrm>
-      </p:grpSpPr>
-      <p:sp>
-        <p:nvSpPr>
-          <p:cNvPr id="2" name="Title 1"/>
-          <p:cNvSpPr>
-            <a:spLocks noGrp="1"/>
-          </p:cNvSpPr>
-          <p:nvPr>
-            <p:ph type="title"/>
-          </p:nvPr>
-        </p:nvSpPr>
-        <p:spPr/>
-        <p:txBody>
-          <a:bodyPr/>
-          <a:lstStyle/>
-          <a:p>
-            <a:r>
-              <a:rPr lang="en-US" dirty="0" smtClean="0"/>
-              <a:t>Derived Conformance Statements / Requirements</a:t>
-            </a:r>
-            <a:endParaRPr lang="en-US" dirty="0"/>
-          </a:p>
-        </p:txBody>
-      </p:sp>
-      <p:sp>
-        <p:nvSpPr>
-          <p:cNvPr id="4" name="Content Placeholder 3"/>
-          <p:cNvSpPr>
-            <a:spLocks noGrp="1"/>
-          </p:cNvSpPr>
-          <p:nvPr>
-            <p:ph idx="1"/>
-          </p:nvPr>
-        </p:nvSpPr>
-        <p:spPr>
-          <a:xfrm>
-            <a:off x="380999" y="838200"/>
-            <a:ext cx="8001001" cy="4876800"/>
-          </a:xfrm>
-        </p:spPr>
-        <p:txBody>
-          <a:bodyPr>
-            <a:noAutofit/>
-          </a:bodyPr>
-          <a:lstStyle/>
-          <a:p>
-            <a:r>
-              <a:rPr lang="en-US" dirty="0" smtClean="0"/>
-              <a:t>The NIST </a:t>
-            </a:r>
-            <a:r>
-              <a:rPr lang="en-US" dirty="0"/>
-              <a:t>HL7 </a:t>
-            </a:r>
-            <a:r>
-              <a:rPr lang="en-US" dirty="0" smtClean="0"/>
-              <a:t>v2 Immunization Test Suite performs certain conformance </a:t>
-            </a:r>
-            <a:r>
-              <a:rPr lang="en-US" dirty="0"/>
-              <a:t>testing </a:t>
-            </a:r>
-            <a:r>
-              <a:rPr lang="en-US" dirty="0" smtClean="0"/>
-              <a:t>that </a:t>
-            </a:r>
-            <a:r>
-              <a:rPr lang="en-US" dirty="0"/>
-              <a:t>is not directly related to </a:t>
-            </a:r>
-            <a:r>
-              <a:rPr lang="en-US" dirty="0" smtClean="0"/>
-              <a:t>any conformance statement in </a:t>
-            </a:r>
-            <a:r>
-              <a:rPr lang="en-US" dirty="0"/>
-              <a:t>the </a:t>
-            </a:r>
-            <a:r>
-              <a:rPr lang="en-US" dirty="0" smtClean="0"/>
-              <a:t>Immunization Messaging Guide</a:t>
-            </a:r>
-          </a:p>
-          <a:p>
-            <a:r>
-              <a:rPr lang="en-US" dirty="0" smtClean="0"/>
-              <a:t>These “derived statements” are based </a:t>
-            </a:r>
-            <a:r>
-              <a:rPr lang="en-US" dirty="0"/>
-              <a:t>on </a:t>
-            </a:r>
-            <a:r>
-              <a:rPr lang="en-US" dirty="0" smtClean="0"/>
-              <a:t>requirements </a:t>
-            </a:r>
-            <a:r>
-              <a:rPr lang="en-US" dirty="0"/>
-              <a:t>from the </a:t>
-            </a:r>
-            <a:r>
-              <a:rPr lang="en-US" dirty="0" smtClean="0"/>
-              <a:t>HL7 v2.5.1 Base Standard, as well as statements </a:t>
-            </a:r>
-            <a:r>
-              <a:rPr lang="en-US" dirty="0"/>
-              <a:t>that </a:t>
-            </a:r>
-            <a:r>
-              <a:rPr lang="en-US" dirty="0" smtClean="0"/>
-              <a:t>NIST has determined </a:t>
-            </a:r>
-            <a:r>
-              <a:rPr lang="en-US" dirty="0"/>
-              <a:t>should be included in the validation </a:t>
-            </a:r>
-            <a:r>
-              <a:rPr lang="en-US" dirty="0" smtClean="0"/>
-              <a:t>(e.g., evaluating the </a:t>
-            </a:r>
-            <a:r>
-              <a:rPr lang="en-US" dirty="0"/>
-              <a:t>format of a code for conformance </a:t>
-            </a:r>
-            <a:r>
-              <a:rPr lang="en-US" dirty="0" smtClean="0"/>
-              <a:t>to the Code System’s format, </a:t>
-            </a:r>
-            <a:r>
-              <a:rPr lang="en-US" dirty="0"/>
-              <a:t>or testing </a:t>
-            </a:r>
-            <a:r>
-              <a:rPr lang="en-US" dirty="0" smtClean="0"/>
-              <a:t>for </a:t>
-            </a:r>
-            <a:r>
-              <a:rPr lang="en-US" dirty="0"/>
-              <a:t>conformance </a:t>
-            </a:r>
-            <a:r>
-              <a:rPr lang="en-US" dirty="0" smtClean="0"/>
-              <a:t>to a specific Time Stamp format)</a:t>
-            </a:r>
-          </a:p>
-          <a:p>
-            <a:pPr marL="0" indent="0">
-              <a:buNone/>
-            </a:pPr>
-            <a:endParaRPr lang="en-US" sz="2200" dirty="0" smtClean="0"/>
-          </a:p>
-        </p:txBody>
-      </p:sp>
-      <p:sp>
-        <p:nvSpPr>
-          <p:cNvPr id="7" name="Slide Number Placeholder 6"/>
-          <p:cNvSpPr>
-            <a:spLocks noGrp="1"/>
-          </p:cNvSpPr>
-          <p:nvPr>
-            <p:ph type="sldNum" sz="quarter" idx="10"/>
-          </p:nvPr>
-        </p:nvSpPr>
-        <p:spPr/>
-        <p:txBody>
-          <a:bodyPr/>
-          <a:lstStyle/>
-          <a:p>
-            <a:pPr>
-              <a:defRPr/>
-            </a:pPr>
-            <a:fld id="{38B21DEC-B2E7-4DB1-B478-8098B74F8C3E}" type="slidenum">
-              <a:rPr lang="en-US" smtClean="0"/>
-              <a:pPr>
-                <a:defRPr/>
-              </a:pPr>
-              <a:t>13</a:t>
-            </a:fld>
-            <a:endParaRPr lang="en-US" dirty="0"/>
-          </a:p>
-        </p:txBody>
-      </p:sp>
-    </p:spTree>
-    <p:extLst>
-      <p:ext uri="{BB962C8B-B14F-4D97-AF65-F5344CB8AC3E}">
-        <p14:creationId xmlns:p14="http://schemas.microsoft.com/office/powerpoint/2010/main" val="3685609724"/>
       </p:ext>
     </p:extLst>
   </p:cSld>
@@ -9903,6 +11181,224 @@
       </p:grpSpPr>
       <p:sp>
         <p:nvSpPr>
+          <p:cNvPr id="2" name="Title 1"/>
+          <p:cNvSpPr>
+            <a:spLocks noGrp="1"/>
+          </p:cNvSpPr>
+          <p:nvPr>
+            <p:ph type="title"/>
+          </p:nvPr>
+        </p:nvSpPr>
+        <p:spPr/>
+        <p:txBody>
+          <a:bodyPr/>
+          <a:lstStyle/>
+          <a:p>
+            <a:r>
+              <a:rPr lang="en-US" dirty="0" smtClean="0"/>
+              <a:t>Derived Conformance Statements / Requirements</a:t>
+            </a:r>
+            <a:endParaRPr lang="en-US" dirty="0"/>
+          </a:p>
+        </p:txBody>
+      </p:sp>
+      <p:sp>
+        <p:nvSpPr>
+          <p:cNvPr id="4" name="Content Placeholder 3"/>
+          <p:cNvSpPr>
+            <a:spLocks noGrp="1"/>
+          </p:cNvSpPr>
+          <p:nvPr>
+            <p:ph idx="1"/>
+          </p:nvPr>
+        </p:nvSpPr>
+        <p:spPr>
+          <a:xfrm>
+            <a:off x="380999" y="838200"/>
+            <a:ext cx="8001001" cy="4876800"/>
+          </a:xfrm>
+        </p:spPr>
+        <p:txBody>
+          <a:bodyPr>
+            <a:noAutofit/>
+          </a:bodyPr>
+          <a:lstStyle/>
+          <a:p>
+            <a:r>
+              <a:rPr lang="en-US" dirty="0" smtClean="0"/>
+              <a:t>The NIST </a:t>
+            </a:r>
+            <a:r>
+              <a:rPr lang="en-US" dirty="0"/>
+              <a:t>HL7 </a:t>
+            </a:r>
+            <a:r>
+              <a:rPr lang="en-US" dirty="0" smtClean="0"/>
+              <a:t>v2 Immunization Test Suite performs certain conformance </a:t>
+            </a:r>
+            <a:r>
+              <a:rPr lang="en-US" dirty="0"/>
+              <a:t>testing </a:t>
+            </a:r>
+            <a:r>
+              <a:rPr lang="en-US" dirty="0" smtClean="0"/>
+              <a:t>that </a:t>
+            </a:r>
+            <a:r>
+              <a:rPr lang="en-US" dirty="0"/>
+              <a:t>is not directly related to </a:t>
+            </a:r>
+            <a:r>
+              <a:rPr lang="en-US" dirty="0" smtClean="0"/>
+              <a:t>any conformance statement in </a:t>
+            </a:r>
+            <a:r>
+              <a:rPr lang="en-US" dirty="0"/>
+              <a:t>the </a:t>
+            </a:r>
+            <a:r>
+              <a:rPr lang="en-US" dirty="0" smtClean="0"/>
+              <a:t>Immunization Messaging Guide</a:t>
+            </a:r>
+          </a:p>
+          <a:p>
+            <a:r>
+              <a:rPr lang="en-US" dirty="0" smtClean="0"/>
+              <a:t>These “derived statements” are based </a:t>
+            </a:r>
+            <a:r>
+              <a:rPr lang="en-US" dirty="0"/>
+              <a:t>on </a:t>
+            </a:r>
+            <a:r>
+              <a:rPr lang="en-US" dirty="0" smtClean="0"/>
+              <a:t>requirements </a:t>
+            </a:r>
+            <a:r>
+              <a:rPr lang="en-US" dirty="0"/>
+              <a:t>from the </a:t>
+            </a:r>
+            <a:r>
+              <a:rPr lang="en-US" dirty="0" smtClean="0"/>
+              <a:t>HL7 v2.5.1 Base Standard, as well as statements </a:t>
+            </a:r>
+            <a:r>
+              <a:rPr lang="en-US" dirty="0"/>
+              <a:t>that </a:t>
+            </a:r>
+            <a:r>
+              <a:rPr lang="en-US" dirty="0" smtClean="0"/>
+              <a:t>NIST has determined </a:t>
+            </a:r>
+            <a:r>
+              <a:rPr lang="en-US" dirty="0"/>
+              <a:t>should be included in the validation </a:t>
+            </a:r>
+            <a:r>
+              <a:rPr lang="en-US" dirty="0" smtClean="0"/>
+              <a:t>(e.g., evaluating the </a:t>
+            </a:r>
+            <a:r>
+              <a:rPr lang="en-US" dirty="0"/>
+              <a:t>format of a code for conformance </a:t>
+            </a:r>
+            <a:r>
+              <a:rPr lang="en-US" dirty="0" smtClean="0"/>
+              <a:t>to the Code System’s format, </a:t>
+            </a:r>
+            <a:r>
+              <a:rPr lang="en-US" dirty="0"/>
+              <a:t>or testing </a:t>
+            </a:r>
+            <a:r>
+              <a:rPr lang="en-US" dirty="0" smtClean="0"/>
+              <a:t>for </a:t>
+            </a:r>
+            <a:r>
+              <a:rPr lang="en-US" dirty="0"/>
+              <a:t>conformance </a:t>
+            </a:r>
+            <a:r>
+              <a:rPr lang="en-US" dirty="0" smtClean="0"/>
+              <a:t>to a specific Time Stamp format)</a:t>
+            </a:r>
+          </a:p>
+          <a:p>
+            <a:pPr marL="0" indent="0">
+              <a:buNone/>
+            </a:pPr>
+            <a:endParaRPr lang="en-US" sz="2200" dirty="0" smtClean="0"/>
+          </a:p>
+        </p:txBody>
+      </p:sp>
+      <p:sp>
+        <p:nvSpPr>
+          <p:cNvPr id="7" name="Slide Number Placeholder 6"/>
+          <p:cNvSpPr>
+            <a:spLocks noGrp="1"/>
+          </p:cNvSpPr>
+          <p:nvPr>
+            <p:ph type="sldNum" sz="quarter" idx="10"/>
+          </p:nvPr>
+        </p:nvSpPr>
+        <p:spPr/>
+        <p:txBody>
+          <a:bodyPr/>
+          <a:lstStyle/>
+          <a:p>
+            <a:pPr>
+              <a:defRPr/>
+            </a:pPr>
+            <a:fld id="{38B21DEC-B2E7-4DB1-B478-8098B74F8C3E}" type="slidenum">
+              <a:rPr lang="en-US" smtClean="0"/>
+              <a:pPr>
+                <a:defRPr/>
+              </a:pPr>
+              <a:t>14</a:t>
+            </a:fld>
+            <a:endParaRPr lang="en-US" dirty="0"/>
+          </a:p>
+        </p:txBody>
+      </p:sp>
+    </p:spTree>
+    <p:extLst>
+      <p:ext uri="{BB962C8B-B14F-4D97-AF65-F5344CB8AC3E}">
+        <p14:creationId xmlns:p14="http://schemas.microsoft.com/office/powerpoint/2010/main" val="3685609724"/>
+      </p:ext>
+    </p:extLst>
+  </p:cSld>
+  <p:clrMapOvr>
+    <a:masterClrMapping/>
+  </p:clrMapOvr>
+  <p:timing>
+    <p:tnLst>
+      <p:par>
+        <p:cTn id="1" dur="indefinite" restart="never" nodeType="tmRoot"/>
+      </p:par>
+    </p:tnLst>
+  </p:timing>
+</p:sld>
+</file>
+
+<file path=ppt/slides/slide15.xml><?xml version="1.0" encoding="utf-8"?>
+<p:sld xmlns:a="http://schemas.openxmlformats.org/drawingml/2006/main" xmlns:r="http://schemas.openxmlformats.org/officeDocument/2006/relationships" xmlns:p="http://schemas.openxmlformats.org/presentationml/2006/main">
+  <p:cSld>
+    <p:spTree>
+      <p:nvGrpSpPr>
+        <p:cNvPr id="1" name=""/>
+        <p:cNvGrpSpPr/>
+        <p:nvPr/>
+      </p:nvGrpSpPr>
+      <p:grpSpPr>
+        <a:xfrm>
+          <a:off x="0" y="0"/>
+          <a:ext cx="0" cy="0"/>
+          <a:chOff x="0" y="0"/>
+          <a:chExt cx="0" cy="0"/>
+        </a:xfrm>
+      </p:grpSpPr>
+      <p:sp>
+        <p:nvSpPr>
           <p:cNvPr id="10243" name="Title 1"/>
           <p:cNvSpPr>
             <a:spLocks noGrp="1"/>
@@ -9946,7 +11442,7 @@
               <a:pPr>
                 <a:defRPr/>
               </a:pPr>
-              <a:t>14</a:t>
+              <a:t>15</a:t>
             </a:fld>
             <a:endParaRPr lang="en-US" dirty="0"/>
           </a:p>
@@ -11194,7 +12690,7 @@
 </p:sld>
 </file>
 
-<file path=ppt/slides/slide15.xml><?xml version="1.0" encoding="utf-8"?>
+<file path=ppt/slides/slide16.xml><?xml version="1.0" encoding="utf-8"?>
 <p:sld xmlns:a="http://schemas.openxmlformats.org/drawingml/2006/main" xmlns:r="http://schemas.openxmlformats.org/officeDocument/2006/relationships" xmlns:p="http://schemas.openxmlformats.org/presentationml/2006/main">
   <p:cSld>
     <p:spTree>
@@ -11321,7 +12817,7 @@
               <a:pPr>
                 <a:defRPr/>
               </a:pPr>
-              <a:t>15</a:t>
+              <a:t>16</a:t>
             </a:fld>
             <a:endParaRPr lang="en-US"/>
           </a:p>
@@ -11401,7 +12897,7 @@
 </p:sld>
 </file>
 
-<file path=ppt/slides/slide16.xml><?xml version="1.0" encoding="utf-8"?>
+<file path=ppt/slides/slide17.xml><?xml version="1.0" encoding="utf-8"?>
 <p:sld xmlns:a="http://schemas.openxmlformats.org/drawingml/2006/main" xmlns:r="http://schemas.openxmlformats.org/officeDocument/2006/relationships" xmlns:p="http://schemas.openxmlformats.org/presentationml/2006/main">
   <p:cSld>
     <p:spTree>
@@ -11533,7 +13029,7 @@
               <a:pPr>
                 <a:defRPr/>
               </a:pPr>
-              <a:t>16</a:t>
+              <a:t>17</a:t>
             </a:fld>
             <a:endParaRPr lang="en-US"/>
           </a:p>
@@ -11613,7 +13109,7 @@
 </p:sld>
 </file>
 
-<file path=ppt/slides/slide17.xml><?xml version="1.0" encoding="utf-8"?>
+<file path=ppt/slides/slide18.xml><?xml version="1.0" encoding="utf-8"?>
 <p:sld xmlns:a="http://schemas.openxmlformats.org/drawingml/2006/main" xmlns:r="http://schemas.openxmlformats.org/officeDocument/2006/relationships" xmlns:p="http://schemas.openxmlformats.org/presentationml/2006/main">
   <p:cSld>
     <p:spTree>
@@ -11681,7 +13177,7 @@
               <a:pPr>
                 <a:defRPr/>
               </a:pPr>
-              <a:t>17</a:t>
+              <a:t>18</a:t>
             </a:fld>
             <a:endParaRPr lang="en-US" dirty="0"/>
           </a:p>
@@ -12955,7 +14451,7 @@
 </p:sld>
 </file>
 
-<file path=ppt/slides/slide18.xml><?xml version="1.0" encoding="utf-8"?>
+<file path=ppt/slides/slide19.xml><?xml version="1.0" encoding="utf-8"?>
 <p:sld xmlns:a="http://schemas.openxmlformats.org/drawingml/2006/main" xmlns:r="http://schemas.openxmlformats.org/officeDocument/2006/relationships" xmlns:p="http://schemas.openxmlformats.org/presentationml/2006/main">
   <p:cSld>
     <p:spTree>
@@ -13347,7 +14843,7 @@
               <a:pPr>
                 <a:defRPr/>
               </a:pPr>
-              <a:t>18</a:t>
+              <a:t>19</a:t>
             </a:fld>
             <a:endParaRPr lang="en-US" dirty="0"/>
           </a:p>
@@ -13366,7 +14862,165 @@
 </p:sld>
 </file>
 
-<file path=ppt/slides/slide19.xml><?xml version="1.0" encoding="utf-8"?>
+<file path=ppt/slides/slide2.xml><?xml version="1.0" encoding="utf-8"?>
+<p:sld xmlns:a="http://schemas.openxmlformats.org/drawingml/2006/main" xmlns:r="http://schemas.openxmlformats.org/officeDocument/2006/relationships" xmlns:p="http://schemas.openxmlformats.org/presentationml/2006/main">
+  <p:cSld>
+    <p:spTree>
+      <p:nvGrpSpPr>
+        <p:cNvPr id="1" name=""/>
+        <p:cNvGrpSpPr/>
+        <p:nvPr/>
+      </p:nvGrpSpPr>
+      <p:grpSpPr>
+        <a:xfrm>
+          <a:off x="0" y="0"/>
+          <a:ext cx="0" cy="0"/>
+          <a:chOff x="0" y="0"/>
+          <a:chExt cx="0" cy="0"/>
+        </a:xfrm>
+      </p:grpSpPr>
+      <p:sp>
+        <p:nvSpPr>
+          <p:cNvPr id="5122" name="Title 1"/>
+          <p:cNvSpPr>
+            <a:spLocks noGrp="1"/>
+          </p:cNvSpPr>
+          <p:nvPr>
+            <p:ph type="title"/>
+          </p:nvPr>
+        </p:nvSpPr>
+        <p:spPr/>
+        <p:txBody>
+          <a:bodyPr/>
+          <a:lstStyle/>
+          <a:p>
+            <a:pPr eaLnBrk="1" hangingPunct="1"/>
+            <a:r>
+              <a:rPr lang="en-US" dirty="0" smtClean="0"/>
+              <a:t>Purpose</a:t>
+            </a:r>
+          </a:p>
+        </p:txBody>
+      </p:sp>
+      <p:sp>
+        <p:nvSpPr>
+          <p:cNvPr id="3" name="Content Placeholder 2"/>
+          <p:cNvSpPr>
+            <a:spLocks noGrp="1"/>
+          </p:cNvSpPr>
+          <p:nvPr>
+            <p:ph idx="1"/>
+          </p:nvPr>
+        </p:nvSpPr>
+        <p:spPr>
+          <a:xfrm>
+            <a:off x="390525" y="914400"/>
+            <a:ext cx="8353425" cy="4981575"/>
+          </a:xfrm>
+        </p:spPr>
+        <p:txBody>
+          <a:bodyPr>
+            <a:normAutofit/>
+          </a:bodyPr>
+          <a:lstStyle/>
+          <a:p>
+            <a:pPr eaLnBrk="1" hangingPunct="1">
+              <a:defRPr/>
+            </a:pPr>
+            <a:r>
+              <a:rPr lang="en-US" dirty="0" smtClean="0"/>
+              <a:t>Provide an additional resource to explain the process of certification testing of a Health IT Module related to HL7 V2 Immunization Messaging</a:t>
+            </a:r>
+            <a:endParaRPr lang="en-US" dirty="0" smtClean="0">
+              <a:solidFill>
+                <a:srgbClr val="0070C0"/>
+              </a:solidFill>
+            </a:endParaRPr>
+          </a:p>
+          <a:p>
+            <a:pPr eaLnBrk="1" hangingPunct="1">
+              <a:defRPr/>
+            </a:pPr>
+            <a:r>
+              <a:rPr lang="en-US" dirty="0" smtClean="0"/>
+              <a:t>Describe the National </a:t>
+            </a:r>
+            <a:r>
+              <a:rPr lang="en-US" dirty="0"/>
+              <a:t>Institute of Standards and Technology (NIST) approach for </a:t>
+            </a:r>
+            <a:r>
+              <a:rPr lang="en-US" dirty="0" smtClean="0"/>
+              <a:t>assessing and validating the test messages created by Health IT Modules and for validating the ability of Health IT Modules to consume acknowledgement and response messages</a:t>
+            </a:r>
+          </a:p>
+          <a:p>
+            <a:pPr eaLnBrk="1" hangingPunct="1">
+              <a:defRPr/>
+            </a:pPr>
+            <a:r>
+              <a:rPr lang="en-US" dirty="0" smtClean="0"/>
+              <a:t>Provide an overview of the testing requirements</a:t>
+            </a:r>
+          </a:p>
+          <a:p>
+            <a:pPr eaLnBrk="1" hangingPunct="1">
+              <a:defRPr/>
+            </a:pPr>
+            <a:endParaRPr lang="en-US" dirty="0"/>
+          </a:p>
+        </p:txBody>
+      </p:sp>
+      <p:sp>
+        <p:nvSpPr>
+          <p:cNvPr id="2" name="Slide Number Placeholder 1"/>
+          <p:cNvSpPr>
+            <a:spLocks noGrp="1"/>
+          </p:cNvSpPr>
+          <p:nvPr>
+            <p:ph type="sldNum" sz="quarter" idx="10"/>
+          </p:nvPr>
+        </p:nvSpPr>
+        <p:spPr/>
+        <p:txBody>
+          <a:bodyPr/>
+          <a:lstStyle/>
+          <a:p>
+            <a:pPr>
+              <a:defRPr/>
+            </a:pPr>
+            <a:fld id="{38B21DEC-B2E7-4DB1-B478-8098B74F8C3E}" type="slidenum">
+              <a:rPr lang="en-US" smtClean="0"/>
+              <a:pPr>
+                <a:defRPr/>
+              </a:pPr>
+              <a:t>2</a:t>
+            </a:fld>
+            <a:endParaRPr lang="en-US" dirty="0"/>
+          </a:p>
+        </p:txBody>
+      </p:sp>
+    </p:spTree>
+    <p:extLst>
+      <p:ext uri="{BB962C8B-B14F-4D97-AF65-F5344CB8AC3E}">
+        <p14:creationId xmlns:p14="http://schemas.microsoft.com/office/powerpoint/2010/main" val="3769888136"/>
+      </p:ext>
+    </p:extLst>
+  </p:cSld>
+  <p:clrMapOvr>
+    <a:masterClrMapping/>
+  </p:clrMapOvr>
+  <p:timing>
+    <p:tnLst>
+      <p:par>
+        <p:cTn id="1" dur="indefinite" restart="never" nodeType="tmRoot"/>
+      </p:par>
+    </p:tnLst>
+  </p:timing>
+</p:sld>
+</file>
+
+<file path=ppt/slides/slide20.xml><?xml version="1.0" encoding="utf-8"?>
 <p:sld xmlns:a="http://schemas.openxmlformats.org/drawingml/2006/main" xmlns:r="http://schemas.openxmlformats.org/officeDocument/2006/relationships" xmlns:p="http://schemas.openxmlformats.org/presentationml/2006/main">
   <p:cSld>
     <p:spTree>
@@ -13547,7 +15201,7 @@
               <a:pPr>
                 <a:defRPr/>
               </a:pPr>
-              <a:t>19</a:t>
+              <a:t>20</a:t>
             </a:fld>
             <a:endParaRPr lang="en-US"/>
           </a:p>
@@ -13573,165 +15227,7 @@
 </p:sld>
 </file>
 
-<file path=ppt/slides/slide2.xml><?xml version="1.0" encoding="utf-8"?>
-<p:sld xmlns:a="http://schemas.openxmlformats.org/drawingml/2006/main" xmlns:r="http://schemas.openxmlformats.org/officeDocument/2006/relationships" xmlns:p="http://schemas.openxmlformats.org/presentationml/2006/main">
-  <p:cSld>
-    <p:spTree>
-      <p:nvGrpSpPr>
-        <p:cNvPr id="1" name=""/>
-        <p:cNvGrpSpPr/>
-        <p:nvPr/>
-      </p:nvGrpSpPr>
-      <p:grpSpPr>
-        <a:xfrm>
-          <a:off x="0" y="0"/>
-          <a:ext cx="0" cy="0"/>
-          <a:chOff x="0" y="0"/>
-          <a:chExt cx="0" cy="0"/>
-        </a:xfrm>
-      </p:grpSpPr>
-      <p:sp>
-        <p:nvSpPr>
-          <p:cNvPr id="5122" name="Title 1"/>
-          <p:cNvSpPr>
-            <a:spLocks noGrp="1"/>
-          </p:cNvSpPr>
-          <p:nvPr>
-            <p:ph type="title"/>
-          </p:nvPr>
-        </p:nvSpPr>
-        <p:spPr/>
-        <p:txBody>
-          <a:bodyPr/>
-          <a:lstStyle/>
-          <a:p>
-            <a:pPr eaLnBrk="1" hangingPunct="1"/>
-            <a:r>
-              <a:rPr lang="en-US" dirty="0" smtClean="0"/>
-              <a:t>Purpose</a:t>
-            </a:r>
-          </a:p>
-        </p:txBody>
-      </p:sp>
-      <p:sp>
-        <p:nvSpPr>
-          <p:cNvPr id="3" name="Content Placeholder 2"/>
-          <p:cNvSpPr>
-            <a:spLocks noGrp="1"/>
-          </p:cNvSpPr>
-          <p:nvPr>
-            <p:ph idx="1"/>
-          </p:nvPr>
-        </p:nvSpPr>
-        <p:spPr>
-          <a:xfrm>
-            <a:off x="390525" y="914400"/>
-            <a:ext cx="8353425" cy="4981575"/>
-          </a:xfrm>
-        </p:spPr>
-        <p:txBody>
-          <a:bodyPr>
-            <a:normAutofit/>
-          </a:bodyPr>
-          <a:lstStyle/>
-          <a:p>
-            <a:pPr eaLnBrk="1" hangingPunct="1">
-              <a:defRPr/>
-            </a:pPr>
-            <a:r>
-              <a:rPr lang="en-US" dirty="0" smtClean="0"/>
-              <a:t>Provide an additional resource to explain the process of certification testing of a Health IT Module related to HL7 V2 Immunization Messaging</a:t>
-            </a:r>
-            <a:endParaRPr lang="en-US" dirty="0" smtClean="0">
-              <a:solidFill>
-                <a:srgbClr val="0070C0"/>
-              </a:solidFill>
-            </a:endParaRPr>
-          </a:p>
-          <a:p>
-            <a:pPr eaLnBrk="1" hangingPunct="1">
-              <a:defRPr/>
-            </a:pPr>
-            <a:r>
-              <a:rPr lang="en-US" dirty="0" smtClean="0"/>
-              <a:t>Describe the National </a:t>
-            </a:r>
-            <a:r>
-              <a:rPr lang="en-US" dirty="0"/>
-              <a:t>Institute of Standards and Technology (NIST) approach for </a:t>
-            </a:r>
-            <a:r>
-              <a:rPr lang="en-US" dirty="0" smtClean="0"/>
-              <a:t>assessing and validating the test messages created by Health IT Modules and for validating the ability of Health IT Modules to consume acknowledgement and response messages</a:t>
-            </a:r>
-          </a:p>
-          <a:p>
-            <a:pPr eaLnBrk="1" hangingPunct="1">
-              <a:defRPr/>
-            </a:pPr>
-            <a:r>
-              <a:rPr lang="en-US" dirty="0" smtClean="0"/>
-              <a:t>Provide an overview of the testing requirements</a:t>
-            </a:r>
-          </a:p>
-          <a:p>
-            <a:pPr eaLnBrk="1" hangingPunct="1">
-              <a:defRPr/>
-            </a:pPr>
-            <a:endParaRPr lang="en-US" dirty="0"/>
-          </a:p>
-        </p:txBody>
-      </p:sp>
-      <p:sp>
-        <p:nvSpPr>
-          <p:cNvPr id="2" name="Slide Number Placeholder 1"/>
-          <p:cNvSpPr>
-            <a:spLocks noGrp="1"/>
-          </p:cNvSpPr>
-          <p:nvPr>
-            <p:ph type="sldNum" sz="quarter" idx="10"/>
-          </p:nvPr>
-        </p:nvSpPr>
-        <p:spPr/>
-        <p:txBody>
-          <a:bodyPr/>
-          <a:lstStyle/>
-          <a:p>
-            <a:pPr>
-              <a:defRPr/>
-            </a:pPr>
-            <a:fld id="{38B21DEC-B2E7-4DB1-B478-8098B74F8C3E}" type="slidenum">
-              <a:rPr lang="en-US" smtClean="0"/>
-              <a:pPr>
-                <a:defRPr/>
-              </a:pPr>
-              <a:t>2</a:t>
-            </a:fld>
-            <a:endParaRPr lang="en-US" dirty="0"/>
-          </a:p>
-        </p:txBody>
-      </p:sp>
-    </p:spTree>
-    <p:extLst>
-      <p:ext uri="{BB962C8B-B14F-4D97-AF65-F5344CB8AC3E}">
-        <p14:creationId xmlns:p14="http://schemas.microsoft.com/office/powerpoint/2010/main" val="3769888136"/>
-      </p:ext>
-    </p:extLst>
-  </p:cSld>
-  <p:clrMapOvr>
-    <a:masterClrMapping/>
-  </p:clrMapOvr>
-  <p:timing>
-    <p:tnLst>
-      <p:par>
-        <p:cTn id="1" dur="indefinite" restart="never" nodeType="tmRoot"/>
-      </p:par>
-    </p:tnLst>
-  </p:timing>
-</p:sld>
-</file>
-
-<file path=ppt/slides/slide20.xml><?xml version="1.0" encoding="utf-8"?>
+<file path=ppt/slides/slide21.xml><?xml version="1.0" encoding="utf-8"?>
 <p:sld xmlns:a="http://schemas.openxmlformats.org/drawingml/2006/main" xmlns:r="http://schemas.openxmlformats.org/officeDocument/2006/relationships" xmlns:p="http://schemas.openxmlformats.org/presentationml/2006/main">
   <p:cSld>
     <p:spTree>
@@ -13868,7 +15364,7 @@
               <a:pPr>
                 <a:defRPr/>
               </a:pPr>
-              <a:t>20</a:t>
+              <a:t>21</a:t>
             </a:fld>
             <a:endParaRPr lang="en-US"/>
           </a:p>
@@ -13948,7 +15444,7 @@
 </p:sld>
 </file>
 
-<file path=ppt/slides/slide21.xml><?xml version="1.0" encoding="utf-8"?>
+<file path=ppt/slides/slide22.xml><?xml version="1.0" encoding="utf-8"?>
 <p:sld xmlns:a="http://schemas.openxmlformats.org/drawingml/2006/main" xmlns:r="http://schemas.openxmlformats.org/officeDocument/2006/relationships" xmlns:p="http://schemas.openxmlformats.org/presentationml/2006/main">
   <p:cSld>
     <p:spTree>
@@ -14144,7 +15640,7 @@
               <a:pPr>
                 <a:defRPr/>
               </a:pPr>
-              <a:t>21</a:t>
+              <a:t>22</a:t>
             </a:fld>
             <a:endParaRPr lang="en-US" dirty="0"/>
           </a:p>
@@ -14224,7 +15720,7 @@
 </p:sld>
 </file>
 
-<file path=ppt/slides/slide22.xml><?xml version="1.0" encoding="utf-8"?>
+<file path=ppt/slides/slide23.xml><?xml version="1.0" encoding="utf-8"?>
 <p:sld xmlns:a="http://schemas.openxmlformats.org/drawingml/2006/main" xmlns:r="http://schemas.openxmlformats.org/officeDocument/2006/relationships" xmlns:p="http://schemas.openxmlformats.org/presentationml/2006/main">
   <p:cSld>
     <p:spTree>
@@ -14341,7 +15837,7 @@
               <a:pPr>
                 <a:defRPr/>
               </a:pPr>
-              <a:t>22</a:t>
+              <a:t>23</a:t>
             </a:fld>
             <a:endParaRPr lang="en-US" dirty="0"/>
           </a:p>
@@ -14526,7 +16022,7 @@
 </p:sld>
 </file>
 
-<file path=ppt/slides/slide23.xml><?xml version="1.0" encoding="utf-8"?>
+<file path=ppt/slides/slide24.xml><?xml version="1.0" encoding="utf-8"?>
 <p:sld xmlns:a="http://schemas.openxmlformats.org/drawingml/2006/main" xmlns:r="http://schemas.openxmlformats.org/officeDocument/2006/relationships" xmlns:p="http://schemas.openxmlformats.org/presentationml/2006/main">
   <p:cSld>
     <p:spTree>
@@ -14694,7 +16190,7 @@
                 </a:solidFill>
               </a:rPr>
               <a:pPr algn="ctr"/>
-              <a:t>23</a:t>
+              <a:t>24</a:t>
             </a:fld>
             <a:endParaRPr lang="en-US" dirty="0">
               <a:solidFill>
@@ -14824,7 +16320,7 @@
 </p:sld>
 </file>
 
-<file path=ppt/slides/slide24.xml><?xml version="1.0" encoding="utf-8"?>
+<file path=ppt/slides/slide25.xml><?xml version="1.0" encoding="utf-8"?>
 <p:sld xmlns:a="http://schemas.openxmlformats.org/drawingml/2006/main" xmlns:r="http://schemas.openxmlformats.org/officeDocument/2006/relationships" xmlns:p="http://schemas.openxmlformats.org/presentationml/2006/main">
   <p:cSld>
     <p:spTree>
@@ -15231,7 +16727,7 @@
                 </a:solidFill>
               </a:rPr>
               <a:pPr algn="ctr"/>
-              <a:t>24</a:t>
+              <a:t>25</a:t>
             </a:fld>
             <a:endParaRPr lang="en-US" sz="1400" dirty="0">
               <a:solidFill>
@@ -15264,7 +16760,7 @@
               <a:pPr>
                 <a:defRPr/>
               </a:pPr>
-              <a:t>24</a:t>
+              <a:t>25</a:t>
             </a:fld>
             <a:endParaRPr lang="en-US" dirty="0"/>
           </a:p>
@@ -15374,7 +16870,7 @@
 </p:sld>
 </file>
 
-<file path=ppt/slides/slide25.xml><?xml version="1.0" encoding="utf-8"?>
+<file path=ppt/slides/slide26.xml><?xml version="1.0" encoding="utf-8"?>
 <p:sld xmlns:a="http://schemas.openxmlformats.org/drawingml/2006/main" xmlns:r="http://schemas.openxmlformats.org/officeDocument/2006/relationships" xmlns:p="http://schemas.openxmlformats.org/presentationml/2006/main">
   <p:cSld>
     <p:spTree>
@@ -15650,7 +17146,7 @@
                 </a:solidFill>
               </a:rPr>
               <a:pPr algn="ctr"/>
-              <a:t>25</a:t>
+              <a:t>26</a:t>
             </a:fld>
             <a:endParaRPr lang="en-US" sz="1400" dirty="0">
               <a:solidFill>
@@ -15733,7 +17229,7 @@
               <a:pPr>
                 <a:defRPr/>
               </a:pPr>
-              <a:t>25</a:t>
+              <a:t>26</a:t>
             </a:fld>
             <a:endParaRPr lang="en-US" dirty="0"/>
           </a:p>
@@ -15910,7 +17406,7 @@
 </p:sld>
 </file>
 
-<file path=ppt/slides/slide26.xml><?xml version="1.0" encoding="utf-8"?>
+<file path=ppt/slides/slide27.xml><?xml version="1.0" encoding="utf-8"?>
 <p:sld xmlns:a="http://schemas.openxmlformats.org/drawingml/2006/main" xmlns:r="http://schemas.openxmlformats.org/officeDocument/2006/relationships" xmlns:p="http://schemas.openxmlformats.org/presentationml/2006/main">
   <p:cSld>
     <p:spTree>
@@ -16186,7 +17682,7 @@
                 </a:solidFill>
               </a:rPr>
               <a:pPr algn="ctr"/>
-              <a:t>26</a:t>
+              <a:t>27</a:t>
             </a:fld>
             <a:endParaRPr lang="en-US" sz="1400" dirty="0">
               <a:solidFill>
@@ -16257,7 +17753,7 @@
               <a:pPr>
                 <a:defRPr/>
               </a:pPr>
-              <a:t>26</a:t>
+              <a:t>27</a:t>
             </a:fld>
             <a:endParaRPr lang="en-US" dirty="0"/>
           </a:p>
@@ -16498,7 +17994,7 @@
 </p:sld>
 </file>
 
-<file path=ppt/slides/slide27.xml><?xml version="1.0" encoding="utf-8"?>
+<file path=ppt/slides/slide28.xml><?xml version="1.0" encoding="utf-8"?>
 <p:sld xmlns:a="http://schemas.openxmlformats.org/drawingml/2006/main" xmlns:r="http://schemas.openxmlformats.org/officeDocument/2006/relationships" xmlns:p="http://schemas.openxmlformats.org/presentationml/2006/main">
   <p:cSld>
     <p:spTree>
@@ -16774,7 +18270,7 @@
                 </a:solidFill>
               </a:rPr>
               <a:pPr algn="ctr"/>
-              <a:t>27</a:t>
+              <a:t>28</a:t>
             </a:fld>
             <a:endParaRPr lang="en-US" sz="1400" dirty="0">
               <a:solidFill>
@@ -16849,7 +18345,7 @@
               <a:pPr>
                 <a:defRPr/>
               </a:pPr>
-              <a:t>27</a:t>
+              <a:t>28</a:t>
             </a:fld>
             <a:endParaRPr lang="en-US" dirty="0"/>
           </a:p>
@@ -16963,7 +18459,7 @@
 </p:sld>
 </file>
 
-<file path=ppt/slides/slide28.xml><?xml version="1.0" encoding="utf-8"?>
+<file path=ppt/slides/slide29.xml><?xml version="1.0" encoding="utf-8"?>
 <p:sld xmlns:a="http://schemas.openxmlformats.org/drawingml/2006/main" xmlns:r="http://schemas.openxmlformats.org/officeDocument/2006/relationships" xmlns:p="http://schemas.openxmlformats.org/presentationml/2006/main">
   <p:cSld>
     <p:spTree>
@@ -17031,7 +18527,7 @@
               <a:pPr>
                 <a:defRPr/>
               </a:pPr>
-              <a:t>28</a:t>
+              <a:t>29</a:t>
             </a:fld>
             <a:endParaRPr lang="en-US" dirty="0"/>
           </a:p>
@@ -17300,7 +18796,259 @@
 </p:sld>
 </file>
 
-<file path=ppt/slides/slide29.xml><?xml version="1.0" encoding="utf-8"?>
+<file path=ppt/slides/slide3.xml><?xml version="1.0" encoding="utf-8"?>
+<p:sld xmlns:a="http://schemas.openxmlformats.org/drawingml/2006/main" xmlns:r="http://schemas.openxmlformats.org/officeDocument/2006/relationships" xmlns:p="http://schemas.openxmlformats.org/presentationml/2006/main">
+  <p:cSld>
+    <p:spTree>
+      <p:nvGrpSpPr>
+        <p:cNvPr id="1" name=""/>
+        <p:cNvGrpSpPr/>
+        <p:nvPr/>
+      </p:nvGrpSpPr>
+      <p:grpSpPr>
+        <a:xfrm>
+          <a:off x="0" y="0"/>
+          <a:ext cx="0" cy="0"/>
+          <a:chOff x="0" y="0"/>
+          <a:chExt cx="0" cy="0"/>
+        </a:xfrm>
+      </p:grpSpPr>
+      <p:sp>
+        <p:nvSpPr>
+          <p:cNvPr id="5122" name="Title 1"/>
+          <p:cNvSpPr>
+            <a:spLocks noGrp="1"/>
+          </p:cNvSpPr>
+          <p:nvPr>
+            <p:ph type="title"/>
+          </p:nvPr>
+        </p:nvSpPr>
+        <p:spPr/>
+        <p:txBody>
+          <a:bodyPr/>
+          <a:lstStyle/>
+          <a:p>
+            <a:pPr eaLnBrk="1" hangingPunct="1"/>
+            <a:r>
+              <a:rPr lang="en-US" dirty="0" smtClean="0"/>
+              <a:t>Table of Contents</a:t>
+            </a:r>
+          </a:p>
+        </p:txBody>
+      </p:sp>
+      <p:sp>
+        <p:nvSpPr>
+          <p:cNvPr id="3" name="Content Placeholder 2"/>
+          <p:cNvSpPr>
+            <a:spLocks noGrp="1"/>
+          </p:cNvSpPr>
+          <p:nvPr>
+            <p:ph idx="1"/>
+          </p:nvPr>
+        </p:nvSpPr>
+        <p:spPr>
+          <a:xfrm>
+            <a:off x="390525" y="914400"/>
+            <a:ext cx="8353425" cy="4981575"/>
+          </a:xfrm>
+        </p:spPr>
+        <p:txBody>
+          <a:bodyPr>
+            <a:normAutofit/>
+          </a:bodyPr>
+          <a:lstStyle/>
+          <a:p>
+            <a:pPr eaLnBrk="1" hangingPunct="1">
+              <a:defRPr/>
+            </a:pPr>
+            <a:r>
+              <a:rPr lang="en-US" dirty="0" smtClean="0"/>
+              <a:t>List of Resources</a:t>
+            </a:r>
+          </a:p>
+          <a:p>
+            <a:pPr eaLnBrk="1" hangingPunct="1">
+              <a:defRPr/>
+            </a:pPr>
+            <a:r>
+              <a:rPr lang="en-US" dirty="0" smtClean="0"/>
+              <a:t>ONC Immunization Criterion</a:t>
+            </a:r>
+            <a:endParaRPr lang="en-US" dirty="0"/>
+          </a:p>
+          <a:p>
+            <a:pPr eaLnBrk="1" hangingPunct="1">
+              <a:defRPr/>
+            </a:pPr>
+            <a:r>
+              <a:rPr lang="en-US" dirty="0" smtClean="0"/>
+              <a:t>Referenced Standards</a:t>
+            </a:r>
+          </a:p>
+          <a:p>
+            <a:pPr eaLnBrk="1" hangingPunct="1">
+              <a:defRPr/>
+            </a:pPr>
+            <a:r>
+              <a:rPr lang="en-US" dirty="0" smtClean="0"/>
+              <a:t>Test </a:t>
+            </a:r>
+            <a:r>
+              <a:rPr lang="en-US" dirty="0"/>
+              <a:t>Tool Overview</a:t>
+            </a:r>
+          </a:p>
+          <a:p>
+            <a:pPr eaLnBrk="1" hangingPunct="1">
+              <a:defRPr/>
+            </a:pPr>
+            <a:r>
+              <a:rPr lang="en-US" dirty="0" smtClean="0"/>
+              <a:t>Scope of NIST Immunization Messaging Testing </a:t>
+            </a:r>
+          </a:p>
+          <a:p>
+            <a:pPr eaLnBrk="1" hangingPunct="1">
+              <a:defRPr/>
+            </a:pPr>
+            <a:r>
+              <a:rPr lang="en-US" dirty="0" smtClean="0"/>
+              <a:t>Testing Process and Testing Workflow Diagrams</a:t>
+            </a:r>
+          </a:p>
+          <a:p>
+            <a:pPr eaLnBrk="1" hangingPunct="1">
+              <a:defRPr/>
+            </a:pPr>
+            <a:r>
+              <a:rPr lang="en-US" dirty="0" smtClean="0"/>
+              <a:t>Explanation of Test Cases and Test Steps</a:t>
+            </a:r>
+          </a:p>
+          <a:p>
+            <a:pPr eaLnBrk="1" hangingPunct="1">
+              <a:defRPr/>
+            </a:pPr>
+            <a:r>
+              <a:rPr lang="en-US" dirty="0" smtClean="0"/>
+              <a:t>Example Test Case Documents</a:t>
+            </a:r>
+          </a:p>
+          <a:p>
+            <a:pPr eaLnBrk="1" hangingPunct="1">
+              <a:defRPr/>
+            </a:pPr>
+            <a:r>
+              <a:rPr lang="en-US" dirty="0" smtClean="0"/>
+              <a:t>Explanation of Test Data Categorization/Validation</a:t>
+            </a:r>
+          </a:p>
+          <a:p>
+            <a:pPr eaLnBrk="1" hangingPunct="1">
+              <a:defRPr/>
+            </a:pPr>
+            <a:r>
+              <a:rPr lang="en-US" dirty="0" smtClean="0"/>
+              <a:t>Test Tool Overview and Example Test Tool Screen</a:t>
+            </a:r>
+          </a:p>
+          <a:p>
+            <a:pPr eaLnBrk="1" hangingPunct="1">
+              <a:defRPr/>
+            </a:pPr>
+            <a:r>
+              <a:rPr lang="en-US" dirty="0" smtClean="0"/>
+              <a:t>Additional Resources</a:t>
+            </a:r>
+          </a:p>
+          <a:p>
+            <a:pPr eaLnBrk="1" hangingPunct="1">
+              <a:defRPr/>
+            </a:pPr>
+            <a:endParaRPr lang="en-US" dirty="0" smtClean="0"/>
+          </a:p>
+          <a:p>
+            <a:pPr eaLnBrk="1" hangingPunct="1">
+              <a:defRPr/>
+            </a:pPr>
+            <a:endParaRPr lang="en-US" dirty="0" smtClean="0"/>
+          </a:p>
+          <a:p>
+            <a:pPr eaLnBrk="1" hangingPunct="1">
+              <a:defRPr/>
+            </a:pPr>
+            <a:endParaRPr lang="en-US" dirty="0" smtClean="0"/>
+          </a:p>
+          <a:p>
+            <a:pPr eaLnBrk="1" hangingPunct="1">
+              <a:defRPr/>
+            </a:pPr>
+            <a:endParaRPr lang="en-US" dirty="0" smtClean="0"/>
+          </a:p>
+          <a:p>
+            <a:pPr eaLnBrk="1" hangingPunct="1">
+              <a:defRPr/>
+            </a:pPr>
+            <a:endParaRPr lang="en-US" dirty="0" smtClean="0"/>
+          </a:p>
+          <a:p>
+            <a:pPr eaLnBrk="1" hangingPunct="1">
+              <a:defRPr/>
+            </a:pPr>
+            <a:endParaRPr lang="en-US" dirty="0"/>
+          </a:p>
+        </p:txBody>
+      </p:sp>
+      <p:sp>
+        <p:nvSpPr>
+          <p:cNvPr id="2" name="Slide Number Placeholder 1"/>
+          <p:cNvSpPr>
+            <a:spLocks noGrp="1"/>
+          </p:cNvSpPr>
+          <p:nvPr>
+            <p:ph type="sldNum" sz="quarter" idx="10"/>
+          </p:nvPr>
+        </p:nvSpPr>
+        <p:spPr/>
+        <p:txBody>
+          <a:bodyPr/>
+          <a:lstStyle/>
+          <a:p>
+            <a:pPr>
+              <a:defRPr/>
+            </a:pPr>
+            <a:fld id="{38B21DEC-B2E7-4DB1-B478-8098B74F8C3E}" type="slidenum">
+              <a:rPr lang="en-US" smtClean="0"/>
+              <a:pPr>
+                <a:defRPr/>
+              </a:pPr>
+              <a:t>3</a:t>
+            </a:fld>
+            <a:endParaRPr lang="en-US" dirty="0"/>
+          </a:p>
+        </p:txBody>
+      </p:sp>
+    </p:spTree>
+    <p:extLst>
+      <p:ext uri="{BB962C8B-B14F-4D97-AF65-F5344CB8AC3E}">
+        <p14:creationId xmlns:p14="http://schemas.microsoft.com/office/powerpoint/2010/main" val="3406273786"/>
+      </p:ext>
+    </p:extLst>
+  </p:cSld>
+  <p:clrMapOvr>
+    <a:masterClrMapping/>
+  </p:clrMapOvr>
+  <p:timing>
+    <p:tnLst>
+      <p:par>
+        <p:cTn id="1" dur="indefinite" restart="never" nodeType="tmRoot"/>
+      </p:par>
+    </p:tnLst>
+  </p:timing>
+</p:sld>
+</file>
+
+<file path=ppt/slides/slide30.xml><?xml version="1.0" encoding="utf-8"?>
 <p:sld xmlns:a="http://schemas.openxmlformats.org/drawingml/2006/main" xmlns:r="http://schemas.openxmlformats.org/officeDocument/2006/relationships" xmlns:p="http://schemas.openxmlformats.org/presentationml/2006/main">
   <p:cSld>
     <p:spTree>
@@ -17368,7 +19116,7 @@
               <a:pPr>
                 <a:defRPr/>
               </a:pPr>
-              <a:t>29</a:t>
+              <a:t>30</a:t>
             </a:fld>
             <a:endParaRPr lang="en-US" dirty="0"/>
           </a:p>
@@ -17603,259 +19351,7 @@
 </p:sld>
 </file>
 
-<file path=ppt/slides/slide3.xml><?xml version="1.0" encoding="utf-8"?>
-<p:sld xmlns:a="http://schemas.openxmlformats.org/drawingml/2006/main" xmlns:r="http://schemas.openxmlformats.org/officeDocument/2006/relationships" xmlns:p="http://schemas.openxmlformats.org/presentationml/2006/main">
-  <p:cSld>
-    <p:spTree>
-      <p:nvGrpSpPr>
-        <p:cNvPr id="1" name=""/>
-        <p:cNvGrpSpPr/>
-        <p:nvPr/>
-      </p:nvGrpSpPr>
-      <p:grpSpPr>
-        <a:xfrm>
-          <a:off x="0" y="0"/>
-          <a:ext cx="0" cy="0"/>
-          <a:chOff x="0" y="0"/>
-          <a:chExt cx="0" cy="0"/>
-        </a:xfrm>
-      </p:grpSpPr>
-      <p:sp>
-        <p:nvSpPr>
-          <p:cNvPr id="5122" name="Title 1"/>
-          <p:cNvSpPr>
-            <a:spLocks noGrp="1"/>
-          </p:cNvSpPr>
-          <p:nvPr>
-            <p:ph type="title"/>
-          </p:nvPr>
-        </p:nvSpPr>
-        <p:spPr/>
-        <p:txBody>
-          <a:bodyPr/>
-          <a:lstStyle/>
-          <a:p>
-            <a:pPr eaLnBrk="1" hangingPunct="1"/>
-            <a:r>
-              <a:rPr lang="en-US" dirty="0" smtClean="0"/>
-              <a:t>Table of Contents</a:t>
-            </a:r>
-          </a:p>
-        </p:txBody>
-      </p:sp>
-      <p:sp>
-        <p:nvSpPr>
-          <p:cNvPr id="3" name="Content Placeholder 2"/>
-          <p:cNvSpPr>
-            <a:spLocks noGrp="1"/>
-          </p:cNvSpPr>
-          <p:nvPr>
-            <p:ph idx="1"/>
-          </p:nvPr>
-        </p:nvSpPr>
-        <p:spPr>
-          <a:xfrm>
-            <a:off x="390525" y="914400"/>
-            <a:ext cx="8353425" cy="4981575"/>
-          </a:xfrm>
-        </p:spPr>
-        <p:txBody>
-          <a:bodyPr>
-            <a:normAutofit/>
-          </a:bodyPr>
-          <a:lstStyle/>
-          <a:p>
-            <a:pPr eaLnBrk="1" hangingPunct="1">
-              <a:defRPr/>
-            </a:pPr>
-            <a:r>
-              <a:rPr lang="en-US" dirty="0" smtClean="0"/>
-              <a:t>List of Resources</a:t>
-            </a:r>
-          </a:p>
-          <a:p>
-            <a:pPr eaLnBrk="1" hangingPunct="1">
-              <a:defRPr/>
-            </a:pPr>
-            <a:r>
-              <a:rPr lang="en-US" dirty="0" smtClean="0"/>
-              <a:t>ONC Immunization Criterion</a:t>
-            </a:r>
-            <a:endParaRPr lang="en-US" dirty="0"/>
-          </a:p>
-          <a:p>
-            <a:pPr eaLnBrk="1" hangingPunct="1">
-              <a:defRPr/>
-            </a:pPr>
-            <a:r>
-              <a:rPr lang="en-US" dirty="0" smtClean="0"/>
-              <a:t>Referenced Standards</a:t>
-            </a:r>
-          </a:p>
-          <a:p>
-            <a:pPr eaLnBrk="1" hangingPunct="1">
-              <a:defRPr/>
-            </a:pPr>
-            <a:r>
-              <a:rPr lang="en-US" dirty="0" smtClean="0"/>
-              <a:t>Test </a:t>
-            </a:r>
-            <a:r>
-              <a:rPr lang="en-US" dirty="0"/>
-              <a:t>Tool Overview</a:t>
-            </a:r>
-          </a:p>
-          <a:p>
-            <a:pPr eaLnBrk="1" hangingPunct="1">
-              <a:defRPr/>
-            </a:pPr>
-            <a:r>
-              <a:rPr lang="en-US" dirty="0" smtClean="0"/>
-              <a:t>Scope of NIST Immunization Messaging Testing </a:t>
-            </a:r>
-          </a:p>
-          <a:p>
-            <a:pPr eaLnBrk="1" hangingPunct="1">
-              <a:defRPr/>
-            </a:pPr>
-            <a:r>
-              <a:rPr lang="en-US" dirty="0" smtClean="0"/>
-              <a:t>Testing Process and Testing Workflow Diagrams</a:t>
-            </a:r>
-          </a:p>
-          <a:p>
-            <a:pPr eaLnBrk="1" hangingPunct="1">
-              <a:defRPr/>
-            </a:pPr>
-            <a:r>
-              <a:rPr lang="en-US" dirty="0" smtClean="0"/>
-              <a:t>Explanation of Test Cases and Test Steps</a:t>
-            </a:r>
-          </a:p>
-          <a:p>
-            <a:pPr eaLnBrk="1" hangingPunct="1">
-              <a:defRPr/>
-            </a:pPr>
-            <a:r>
-              <a:rPr lang="en-US" dirty="0" smtClean="0"/>
-              <a:t>Example Test Case Documents</a:t>
-            </a:r>
-          </a:p>
-          <a:p>
-            <a:pPr eaLnBrk="1" hangingPunct="1">
-              <a:defRPr/>
-            </a:pPr>
-            <a:r>
-              <a:rPr lang="en-US" dirty="0" smtClean="0"/>
-              <a:t>Explanation of Test Data Categorization/Validation</a:t>
-            </a:r>
-          </a:p>
-          <a:p>
-            <a:pPr eaLnBrk="1" hangingPunct="1">
-              <a:defRPr/>
-            </a:pPr>
-            <a:r>
-              <a:rPr lang="en-US" dirty="0" smtClean="0"/>
-              <a:t>Test Tool Overview and Example Test Tool Screen</a:t>
-            </a:r>
-          </a:p>
-          <a:p>
-            <a:pPr eaLnBrk="1" hangingPunct="1">
-              <a:defRPr/>
-            </a:pPr>
-            <a:r>
-              <a:rPr lang="en-US" dirty="0" smtClean="0"/>
-              <a:t>Additional Resources</a:t>
-            </a:r>
-          </a:p>
-          <a:p>
-            <a:pPr eaLnBrk="1" hangingPunct="1">
-              <a:defRPr/>
-            </a:pPr>
-            <a:endParaRPr lang="en-US" dirty="0" smtClean="0"/>
-          </a:p>
-          <a:p>
-            <a:pPr eaLnBrk="1" hangingPunct="1">
-              <a:defRPr/>
-            </a:pPr>
-            <a:endParaRPr lang="en-US" dirty="0" smtClean="0"/>
-          </a:p>
-          <a:p>
-            <a:pPr eaLnBrk="1" hangingPunct="1">
-              <a:defRPr/>
-            </a:pPr>
-            <a:endParaRPr lang="en-US" dirty="0" smtClean="0"/>
-          </a:p>
-          <a:p>
-            <a:pPr eaLnBrk="1" hangingPunct="1">
-              <a:defRPr/>
-            </a:pPr>
-            <a:endParaRPr lang="en-US" dirty="0" smtClean="0"/>
-          </a:p>
-          <a:p>
-            <a:pPr eaLnBrk="1" hangingPunct="1">
-              <a:defRPr/>
-            </a:pPr>
-            <a:endParaRPr lang="en-US" dirty="0" smtClean="0"/>
-          </a:p>
-          <a:p>
-            <a:pPr eaLnBrk="1" hangingPunct="1">
-              <a:defRPr/>
-            </a:pPr>
-            <a:endParaRPr lang="en-US" dirty="0"/>
-          </a:p>
-        </p:txBody>
-      </p:sp>
-      <p:sp>
-        <p:nvSpPr>
-          <p:cNvPr id="2" name="Slide Number Placeholder 1"/>
-          <p:cNvSpPr>
-            <a:spLocks noGrp="1"/>
-          </p:cNvSpPr>
-          <p:nvPr>
-            <p:ph type="sldNum" sz="quarter" idx="10"/>
-          </p:nvPr>
-        </p:nvSpPr>
-        <p:spPr/>
-        <p:txBody>
-          <a:bodyPr/>
-          <a:lstStyle/>
-          <a:p>
-            <a:pPr>
-              <a:defRPr/>
-            </a:pPr>
-            <a:fld id="{38B21DEC-B2E7-4DB1-B478-8098B74F8C3E}" type="slidenum">
-              <a:rPr lang="en-US" smtClean="0"/>
-              <a:pPr>
-                <a:defRPr/>
-              </a:pPr>
-              <a:t>3</a:t>
-            </a:fld>
-            <a:endParaRPr lang="en-US" dirty="0"/>
-          </a:p>
-        </p:txBody>
-      </p:sp>
-    </p:spTree>
-    <p:extLst>
-      <p:ext uri="{BB962C8B-B14F-4D97-AF65-F5344CB8AC3E}">
-        <p14:creationId xmlns:p14="http://schemas.microsoft.com/office/powerpoint/2010/main" val="3406273786"/>
-      </p:ext>
-    </p:extLst>
-  </p:cSld>
-  <p:clrMapOvr>
-    <a:masterClrMapping/>
-  </p:clrMapOvr>
-  <p:timing>
-    <p:tnLst>
-      <p:par>
-        <p:cTn id="1" dur="indefinite" restart="never" nodeType="tmRoot"/>
-      </p:par>
-    </p:tnLst>
-  </p:timing>
-</p:sld>
-</file>
-
-<file path=ppt/slides/slide30.xml><?xml version="1.0" encoding="utf-8"?>
+<file path=ppt/slides/slide31.xml><?xml version="1.0" encoding="utf-8"?>
 <p:sld xmlns:a="http://schemas.openxmlformats.org/drawingml/2006/main" xmlns:r="http://schemas.openxmlformats.org/officeDocument/2006/relationships" xmlns:p="http://schemas.openxmlformats.org/presentationml/2006/main">
   <p:cSld>
     <p:spTree>
@@ -21787,7 +23283,7 @@
               <a:pPr>
                 <a:defRPr/>
               </a:pPr>
-              <a:t>30</a:t>
+              <a:t>31</a:t>
             </a:fld>
             <a:endParaRPr lang="en-US">
               <a:solidFill>
@@ -21874,7 +23370,7 @@
 </p:sld>
 </file>
 
-<file path=ppt/slides/slide31.xml><?xml version="1.0" encoding="utf-8"?>
+<file path=ppt/slides/slide32.xml><?xml version="1.0" encoding="utf-8"?>
 <p:sld xmlns:a="http://schemas.openxmlformats.org/drawingml/2006/main" xmlns:r="http://schemas.openxmlformats.org/officeDocument/2006/relationships" xmlns:p="http://schemas.openxmlformats.org/presentationml/2006/main">
   <p:cSld>
     <p:spTree>
@@ -22978,7 +24474,7 @@
               <a:pPr>
                 <a:defRPr/>
               </a:pPr>
-              <a:t>31</a:t>
+              <a:t>32</a:t>
             </a:fld>
             <a:endParaRPr lang="en-US">
               <a:solidFill>
@@ -24161,7 +25657,7 @@
 </p:sld>
 </file>
 
-<file path=ppt/slides/slide32.xml><?xml version="1.0" encoding="utf-8"?>
+<file path=ppt/slides/slide33.xml><?xml version="1.0" encoding="utf-8"?>
 <p:sld xmlns:a="http://schemas.openxmlformats.org/drawingml/2006/main" xmlns:r="http://schemas.openxmlformats.org/officeDocument/2006/relationships" xmlns:p="http://schemas.openxmlformats.org/presentationml/2006/main">
   <p:cSld>
     <p:spTree>
@@ -24321,7 +25817,7 @@
               <a:pPr>
                 <a:defRPr/>
               </a:pPr>
-              <a:t>32</a:t>
+              <a:t>33</a:t>
             </a:fld>
             <a:endParaRPr lang="en-US" dirty="0"/>
           </a:p>
@@ -24347,7 +25843,7 @@
 </p:sld>
 </file>
 
-<file path=ppt/slides/slide33.xml><?xml version="1.0" encoding="utf-8"?>
+<file path=ppt/slides/slide34.xml><?xml version="1.0" encoding="utf-8"?>
 <p:sld xmlns:a="http://schemas.openxmlformats.org/drawingml/2006/main" xmlns:r="http://schemas.openxmlformats.org/officeDocument/2006/relationships" xmlns:p="http://schemas.openxmlformats.org/presentationml/2006/main">
   <p:cSld>
     <p:spTree>
@@ -24453,13 +25949,14 @@
           <a:p>
             <a:pPr marL="0" lvl="1"/>
             <a:r>
-              <a:rPr lang="en-US" sz="1200" dirty="0">
-                <a:solidFill>
-                  <a:srgbClr val="FF0000"/>
-                </a:solidFill>
-              </a:rPr>
-              <a:t>NOTE: The Test Tool (.war file) can also be downloaded and installed locally. See Documentation tab in Test Tool</a:t>
-            </a:r>
+              <a:rPr lang="en-US" sz="1200" dirty="0"/>
+              <a:t>NOTE: The Test Tool (.war file) can also be downloaded and installed locally. See Documentation tab in Test </a:t>
+            </a:r>
+            <a:r>
+              <a:rPr lang="en-US" sz="1200" dirty="0" smtClean="0"/>
+              <a:t>Suite</a:t>
+            </a:r>
+            <a:endParaRPr lang="en-US" sz="1200" dirty="0"/>
           </a:p>
           <a:p>
             <a:pPr marL="0" lvl="1"/>
@@ -24593,7 +26090,7 @@
           <p:nvPr>
             <p:extLst>
               <p:ext uri="{D42A27DB-BD31-4B8C-83A1-F6EECF244321}">
-                <p14:modId xmlns:p14="http://schemas.microsoft.com/office/powerpoint/2010/main" val="3335593019"/>
+                <p14:modId xmlns:p14="http://schemas.microsoft.com/office/powerpoint/2010/main" val="253619614"/>
               </p:ext>
             </p:extLst>
           </p:nvPr>
@@ -25654,8 +27151,12 @@
               <a:t>:  </a:t>
             </a:r>
             <a:r>
+              <a:rPr lang="en-US" sz="1600" b="0" dirty="0" smtClean="0"/>
+              <a:t>These functions are used for validating immunization </a:t>
+            </a:r>
+            <a:r>
               <a:rPr lang="en-US" sz="1600" b="0" dirty="0"/>
-              <a:t>The tool validates Immunization messages created </a:t>
+              <a:t>messages created </a:t>
             </a:r>
             <a:r>
               <a:rPr lang="en-US" sz="1600" dirty="0" smtClean="0"/>
@@ -25727,7 +27228,7 @@
         <p:spPr bwMode="auto">
           <a:xfrm>
             <a:off x="276225" y="86380"/>
-            <a:ext cx="8562975" cy="523220"/>
+            <a:ext cx="8867775" cy="523220"/>
           </a:xfrm>
           <a:prstGeom prst="rect">
             <a:avLst/>
@@ -25767,7 +27268,7 @@
           </a:extLst>
         </p:spPr>
         <p:txBody>
-          <a:bodyPr>
+          <a:bodyPr wrap="square">
             <a:spAutoFit/>
           </a:bodyPr>
           <a:lstStyle>
@@ -25886,17 +27387,14 @@
                 </a:solidFill>
                 <a:latin typeface="Franklin Gothic Demi" pitchFamily="34" charset="0"/>
               </a:rPr>
-              <a:t>Messaging Test Tool </a:t>
-            </a:r>
-            <a:r>
-              <a:rPr lang="en-US" sz="2800" dirty="0">
-                <a:solidFill>
-                  <a:srgbClr val="012445"/>
-                </a:solidFill>
-                <a:latin typeface="Franklin Gothic Demi" pitchFamily="34" charset="0"/>
-              </a:rPr>
-              <a:t>Overview</a:t>
-            </a:r>
+              <a:t>Suite Functions for ONC Testing</a:t>
+            </a:r>
+            <a:endParaRPr lang="en-US" sz="2800" dirty="0">
+              <a:solidFill>
+                <a:srgbClr val="012445"/>
+              </a:solidFill>
+              <a:latin typeface="Franklin Gothic Demi" pitchFamily="34" charset="0"/>
+            </a:endParaRPr>
           </a:p>
         </p:txBody>
       </p:sp>
@@ -26053,7 +27551,7 @@
                 </a:solidFill>
               </a:rPr>
               <a:pPr algn="ctr"/>
-              <a:t>33</a:t>
+              <a:t>34</a:t>
             </a:fld>
             <a:endParaRPr lang="en-US" dirty="0">
               <a:solidFill>
@@ -26063,79 +27561,10 @@
           </a:p>
         </p:txBody>
       </p:sp>
-      <p:sp>
-        <p:nvSpPr>
-          <p:cNvPr id="8" name="Rectangle 7"/>
-          <p:cNvSpPr/>
-          <p:nvPr/>
-        </p:nvSpPr>
-        <p:spPr>
-          <a:xfrm rot="20028447">
-            <a:off x="2867598" y="2653507"/>
-            <a:ext cx="2549096" cy="830997"/>
-          </a:xfrm>
-          <a:prstGeom prst="rect">
-            <a:avLst/>
-          </a:prstGeom>
-          <a:noFill/>
-        </p:spPr>
-        <p:txBody>
-          <a:bodyPr wrap="none" lIns="91440" tIns="45720" rIns="91440" bIns="45720">
-            <a:spAutoFit/>
-          </a:bodyPr>
-          <a:lstStyle/>
-          <a:p>
-            <a:pPr algn="ctr"/>
-            <a:r>
-              <a:rPr lang="en-US" sz="4800" b="1" dirty="0" smtClean="0">
-                <a:ln w="12700">
-                  <a:solidFill>
-                    <a:schemeClr val="tx2">
-                      <a:satMod val="155000"/>
-                    </a:schemeClr>
-                  </a:solidFill>
-                  <a:prstDash val="solid"/>
-                </a:ln>
-                <a:solidFill>
-                  <a:srgbClr val="FF0000"/>
-                </a:solidFill>
-                <a:effectLst>
-                  <a:outerShdw blurRad="41275" dist="20320" dir="1800000" algn="tl" rotWithShape="0">
-                    <a:srgbClr val="000000">
-                      <a:alpha val="40000"/>
-                    </a:srgbClr>
-                  </a:outerShdw>
-                </a:effectLst>
-              </a:rPr>
-              <a:t>Replace</a:t>
-            </a:r>
-            <a:endParaRPr lang="en-US" sz="4800" b="1" cap="none" spc="0" dirty="0">
-              <a:ln w="12700">
-                <a:solidFill>
-                  <a:schemeClr val="tx2">
-                    <a:satMod val="155000"/>
-                  </a:schemeClr>
-                </a:solidFill>
-                <a:prstDash val="solid"/>
-              </a:ln>
-              <a:solidFill>
-                <a:srgbClr val="FF0000"/>
-              </a:solidFill>
-              <a:effectLst>
-                <a:outerShdw blurRad="41275" dist="20320" dir="1800000" algn="tl" rotWithShape="0">
-                  <a:srgbClr val="000000">
-                    <a:alpha val="40000"/>
-                  </a:srgbClr>
-                </a:outerShdw>
-              </a:effectLst>
-            </a:endParaRPr>
-          </a:p>
-        </p:txBody>
-      </p:sp>
     </p:spTree>
     <p:extLst>
       <p:ext uri="{BB962C8B-B14F-4D97-AF65-F5344CB8AC3E}">
-        <p14:creationId xmlns:p14="http://schemas.microsoft.com/office/powerpoint/2010/main" val="2801816321"/>
+        <p14:creationId xmlns:p14="http://schemas.microsoft.com/office/powerpoint/2010/main" val="227407135"/>
       </p:ext>
     </p:extLst>
   </p:cSld>
@@ -26152,7 +27581,7 @@
 </p:sld>
 </file>
 
-<file path=ppt/slides/slide34.xml><?xml version="1.0" encoding="utf-8"?>
+<file path=ppt/slides/slide35.xml><?xml version="1.0" encoding="utf-8"?>
 <p:sld xmlns:a="http://schemas.openxmlformats.org/drawingml/2006/main" xmlns:r="http://schemas.openxmlformats.org/officeDocument/2006/relationships" xmlns:p="http://schemas.openxmlformats.org/presentationml/2006/main">
   <p:cSld>
     <p:spTree>
@@ -26333,7 +27762,7 @@
               <a:pPr>
                 <a:defRPr/>
               </a:pPr>
-              <a:t>34</a:t>
+              <a:t>35</a:t>
             </a:fld>
             <a:endParaRPr lang="en-US"/>
           </a:p>
@@ -27102,7 +28531,7 @@
 </p:sld>
 </file>
 
-<file path=ppt/slides/slide35.xml><?xml version="1.0" encoding="utf-8"?>
+<file path=ppt/slides/slide36.xml><?xml version="1.0" encoding="utf-8"?>
 <p:sld xmlns:a="http://schemas.openxmlformats.org/drawingml/2006/main" xmlns:r="http://schemas.openxmlformats.org/officeDocument/2006/relationships" xmlns:p="http://schemas.openxmlformats.org/presentationml/2006/main">
   <p:cSld>
     <p:spTree>
@@ -27347,7 +28776,7 @@
               <a:pPr>
                 <a:defRPr/>
               </a:pPr>
-              <a:t>35</a:t>
+              <a:t>36</a:t>
             </a:fld>
             <a:endParaRPr lang="en-US"/>
           </a:p>
